--- a/files/SAC Admin Guide.pptx
+++ b/files/SAC Admin Guide.pptx
@@ -5,15 +5,26 @@
     <p:sldMasterId id="2147483648" r:id="rId1"/>
   </p:sldMasterIdLst>
   <p:notesMasterIdLst>
-    <p:notesMasterId r:id="rId8"/>
+    <p:notesMasterId r:id="rId19"/>
   </p:notesMasterIdLst>
   <p:sldIdLst>
     <p:sldId id="256" r:id="rId2"/>
-    <p:sldId id="326" r:id="rId3"/>
-    <p:sldId id="331" r:id="rId4"/>
+    <p:sldId id="331" r:id="rId3"/>
+    <p:sldId id="333" r:id="rId4"/>
     <p:sldId id="330" r:id="rId5"/>
     <p:sldId id="327" r:id="rId6"/>
     <p:sldId id="328" r:id="rId7"/>
+    <p:sldId id="332" r:id="rId8"/>
+    <p:sldId id="334" r:id="rId9"/>
+    <p:sldId id="336" r:id="rId10"/>
+    <p:sldId id="344" r:id="rId11"/>
+    <p:sldId id="345" r:id="rId12"/>
+    <p:sldId id="341" r:id="rId13"/>
+    <p:sldId id="346" r:id="rId14"/>
+    <p:sldId id="337" r:id="rId15"/>
+    <p:sldId id="338" r:id="rId16"/>
+    <p:sldId id="339" r:id="rId17"/>
+    <p:sldId id="340" r:id="rId18"/>
   </p:sldIdLst>
   <p:sldSz cx="12192000" cy="6858000"/>
   <p:notesSz cx="6858000" cy="9144000"/>
@@ -225,7 +236,7 @@
           <a:p>
             <a:fld id="{E423CC32-96CD-44F0-8162-1CACD40F9286}" type="datetimeFigureOut">
               <a:rPr lang="en-SG" smtClean="0"/>
-              <a:t>24/6/2019</a:t>
+              <a:t>25/6/2019</a:t>
             </a:fld>
             <a:endParaRPr lang="en-SG"/>
           </a:p>
@@ -2892,6 +2903,2167 @@
 </p:sld>
 </file>
 
+<file path=ppt/slides/slide10.xml><?xml version="1.0" encoding="utf-8"?>
+<p:sld xmlns:a="http://schemas.openxmlformats.org/drawingml/2006/main" xmlns:r="http://schemas.openxmlformats.org/officeDocument/2006/relationships" xmlns:p="http://schemas.openxmlformats.org/presentationml/2006/main">
+  <p:cSld>
+    <p:spTree>
+      <p:nvGrpSpPr>
+        <p:cNvPr id="1" name=""/>
+        <p:cNvGrpSpPr/>
+        <p:nvPr/>
+      </p:nvGrpSpPr>
+      <p:grpSpPr>
+        <a:xfrm>
+          <a:off x="0" y="0"/>
+          <a:ext cx="0" cy="0"/>
+          <a:chOff x="0" y="0"/>
+          <a:chExt cx="0" cy="0"/>
+        </a:xfrm>
+      </p:grpSpPr>
+      <p:pic>
+        <p:nvPicPr>
+          <p:cNvPr id="8" name="Picture 7"/>
+          <p:cNvPicPr>
+            <a:picLocks noChangeAspect="1"/>
+          </p:cNvPicPr>
+          <p:nvPr/>
+        </p:nvPicPr>
+        <p:blipFill>
+          <a:blip r:embed="rId2"/>
+          <a:stretch>
+            <a:fillRect/>
+          </a:stretch>
+        </p:blipFill>
+        <p:spPr>
+          <a:xfrm>
+            <a:off x="3311094" y="1684545"/>
+            <a:ext cx="3648075" cy="1266825"/>
+          </a:xfrm>
+          <a:prstGeom prst="rect">
+            <a:avLst/>
+          </a:prstGeom>
+        </p:spPr>
+      </p:pic>
+      <p:sp>
+        <p:nvSpPr>
+          <p:cNvPr id="4" name="Title 3"/>
+          <p:cNvSpPr>
+            <a:spLocks noGrp="1"/>
+          </p:cNvSpPr>
+          <p:nvPr>
+            <p:ph type="title"/>
+          </p:nvPr>
+        </p:nvSpPr>
+        <p:spPr/>
+        <p:txBody>
+          <a:bodyPr/>
+          <a:lstStyle/>
+          <a:p>
+            <a:r>
+              <a:rPr lang="en-US" dirty="0" smtClean="0"/>
+              <a:t>Github Repository</a:t>
+            </a:r>
+            <a:endParaRPr lang="en-US" dirty="0"/>
+          </a:p>
+        </p:txBody>
+      </p:sp>
+      <p:sp>
+        <p:nvSpPr>
+          <p:cNvPr id="18" name="TextBox 17"/>
+          <p:cNvSpPr txBox="1"/>
+          <p:nvPr/>
+        </p:nvSpPr>
+        <p:spPr>
+          <a:xfrm>
+            <a:off x="541768" y="1684545"/>
+            <a:ext cx="1874861" cy="1600438"/>
+          </a:xfrm>
+          <a:prstGeom prst="rect">
+            <a:avLst/>
+          </a:prstGeom>
+          <a:noFill/>
+          <a:ln w="19050">
+            <a:solidFill>
+              <a:srgbClr val="C00000"/>
+            </a:solidFill>
+          </a:ln>
+        </p:spPr>
+        <p:txBody>
+          <a:bodyPr wrap="square" rtlCol="0">
+            <a:spAutoFit/>
+          </a:bodyPr>
+          <a:lstStyle/>
+          <a:p>
+            <a:r>
+              <a:rPr lang="en-US" sz="1400" dirty="0" smtClean="0">
+                <a:solidFill>
+                  <a:srgbClr val="C00000"/>
+                </a:solidFill>
+              </a:rPr>
+              <a:t>_data folder contains configuration files (with the extension .yaml or .yml) for editing certain sections of the website (e.g. </a:t>
+            </a:r>
+            <a:r>
+              <a:rPr lang="en-US" sz="1400" dirty="0" smtClean="0">
+                <a:solidFill>
+                  <a:srgbClr val="C00000"/>
+                </a:solidFill>
+              </a:rPr>
+              <a:t>homepage, navigation)</a:t>
+            </a:r>
+            <a:endParaRPr lang="en-US" sz="1400" dirty="0">
+              <a:solidFill>
+                <a:srgbClr val="C00000"/>
+              </a:solidFill>
+            </a:endParaRPr>
+          </a:p>
+        </p:txBody>
+      </p:sp>
+      <p:cxnSp>
+        <p:nvCxnSpPr>
+          <p:cNvPr id="19" name="Straight Arrow Connector 18"/>
+          <p:cNvCxnSpPr>
+            <a:stCxn id="18" idx="3"/>
+            <a:endCxn id="24" idx="1"/>
+          </p:cNvCxnSpPr>
+          <p:nvPr/>
+        </p:nvCxnSpPr>
+        <p:spPr>
+          <a:xfrm flipV="1">
+            <a:off x="2416629" y="2191150"/>
+            <a:ext cx="779008" cy="293614"/>
+          </a:xfrm>
+          <a:prstGeom prst="straightConnector1">
+            <a:avLst/>
+          </a:prstGeom>
+          <a:ln>
+            <a:solidFill>
+              <a:srgbClr val="C00000"/>
+            </a:solidFill>
+            <a:tailEnd type="triangle"/>
+          </a:ln>
+        </p:spPr>
+        <p:style>
+          <a:lnRef idx="1">
+            <a:schemeClr val="accent1"/>
+          </a:lnRef>
+          <a:fillRef idx="0">
+            <a:schemeClr val="accent1"/>
+          </a:fillRef>
+          <a:effectRef idx="0">
+            <a:schemeClr val="accent1"/>
+          </a:effectRef>
+          <a:fontRef idx="minor">
+            <a:schemeClr val="tx1"/>
+          </a:fontRef>
+        </p:style>
+      </p:cxnSp>
+      <p:sp>
+        <p:nvSpPr>
+          <p:cNvPr id="24" name="Rectangle 23"/>
+          <p:cNvSpPr/>
+          <p:nvPr/>
+        </p:nvSpPr>
+        <p:spPr>
+          <a:xfrm>
+            <a:off x="3195637" y="2065668"/>
+            <a:ext cx="919163" cy="250964"/>
+          </a:xfrm>
+          <a:prstGeom prst="rect">
+            <a:avLst/>
+          </a:prstGeom>
+          <a:noFill/>
+          <a:ln w="28575">
+            <a:solidFill>
+              <a:srgbClr val="C00000"/>
+            </a:solidFill>
+          </a:ln>
+        </p:spPr>
+        <p:style>
+          <a:lnRef idx="2">
+            <a:schemeClr val="accent1">
+              <a:shade val="50000"/>
+            </a:schemeClr>
+          </a:lnRef>
+          <a:fillRef idx="1">
+            <a:schemeClr val="accent1"/>
+          </a:fillRef>
+          <a:effectRef idx="0">
+            <a:schemeClr val="accent1"/>
+          </a:effectRef>
+          <a:fontRef idx="minor">
+            <a:schemeClr val="lt1"/>
+          </a:fontRef>
+        </p:style>
+        <p:txBody>
+          <a:bodyPr rtlCol="0" anchor="ctr"/>
+          <a:lstStyle/>
+          <a:p>
+            <a:pPr algn="ctr"/>
+            <a:endParaRPr lang="en-US"/>
+          </a:p>
+        </p:txBody>
+      </p:sp>
+    </p:spTree>
+    <p:extLst>
+      <p:ext uri="{BB962C8B-B14F-4D97-AF65-F5344CB8AC3E}">
+        <p14:creationId xmlns:p14="http://schemas.microsoft.com/office/powerpoint/2010/main" val="2855762249"/>
+      </p:ext>
+    </p:extLst>
+  </p:cSld>
+  <p:clrMapOvr>
+    <a:masterClrMapping/>
+  </p:clrMapOvr>
+  <p:timing>
+    <p:tnLst>
+      <p:par>
+        <p:cTn id="1" dur="indefinite" restart="never" nodeType="tmRoot"/>
+      </p:par>
+    </p:tnLst>
+  </p:timing>
+</p:sld>
+</file>
+
+<file path=ppt/slides/slide11.xml><?xml version="1.0" encoding="utf-8"?>
+<p:sld xmlns:a="http://schemas.openxmlformats.org/drawingml/2006/main" xmlns:r="http://schemas.openxmlformats.org/officeDocument/2006/relationships" xmlns:p="http://schemas.openxmlformats.org/presentationml/2006/main">
+  <p:cSld>
+    <p:spTree>
+      <p:nvGrpSpPr>
+        <p:cNvPr id="1" name=""/>
+        <p:cNvGrpSpPr/>
+        <p:nvPr/>
+      </p:nvGrpSpPr>
+      <p:grpSpPr>
+        <a:xfrm>
+          <a:off x="0" y="0"/>
+          <a:ext cx="0" cy="0"/>
+          <a:chOff x="0" y="0"/>
+          <a:chExt cx="0" cy="0"/>
+        </a:xfrm>
+      </p:grpSpPr>
+      <p:pic>
+        <p:nvPicPr>
+          <p:cNvPr id="8" name="Picture 7"/>
+          <p:cNvPicPr>
+            <a:picLocks noChangeAspect="1"/>
+          </p:cNvPicPr>
+          <p:nvPr/>
+        </p:nvPicPr>
+        <p:blipFill>
+          <a:blip r:embed="rId2"/>
+          <a:stretch>
+            <a:fillRect/>
+          </a:stretch>
+        </p:blipFill>
+        <p:spPr>
+          <a:xfrm>
+            <a:off x="3311094" y="1684545"/>
+            <a:ext cx="3648075" cy="1266825"/>
+          </a:xfrm>
+          <a:prstGeom prst="rect">
+            <a:avLst/>
+          </a:prstGeom>
+        </p:spPr>
+      </p:pic>
+      <p:sp>
+        <p:nvSpPr>
+          <p:cNvPr id="4" name="Title 3"/>
+          <p:cNvSpPr>
+            <a:spLocks noGrp="1"/>
+          </p:cNvSpPr>
+          <p:nvPr>
+            <p:ph type="title"/>
+          </p:nvPr>
+        </p:nvSpPr>
+        <p:spPr/>
+        <p:txBody>
+          <a:bodyPr/>
+          <a:lstStyle/>
+          <a:p>
+            <a:r>
+              <a:rPr lang="en-US" dirty="0" smtClean="0"/>
+              <a:t>Github Repository</a:t>
+            </a:r>
+            <a:endParaRPr lang="en-US" dirty="0"/>
+          </a:p>
+        </p:txBody>
+      </p:sp>
+      <p:sp>
+        <p:nvSpPr>
+          <p:cNvPr id="18" name="TextBox 17"/>
+          <p:cNvSpPr txBox="1"/>
+          <p:nvPr/>
+        </p:nvSpPr>
+        <p:spPr>
+          <a:xfrm>
+            <a:off x="541768" y="1684545"/>
+            <a:ext cx="1874861" cy="1600438"/>
+          </a:xfrm>
+          <a:prstGeom prst="rect">
+            <a:avLst/>
+          </a:prstGeom>
+          <a:noFill/>
+          <a:ln w="19050">
+            <a:solidFill>
+              <a:srgbClr val="C00000"/>
+            </a:solidFill>
+          </a:ln>
+        </p:spPr>
+        <p:txBody>
+          <a:bodyPr wrap="square" rtlCol="0">
+            <a:spAutoFit/>
+          </a:bodyPr>
+          <a:lstStyle/>
+          <a:p>
+            <a:r>
+              <a:rPr lang="en-US" sz="1400" dirty="0" smtClean="0">
+                <a:solidFill>
+                  <a:srgbClr val="C00000"/>
+                </a:solidFill>
+              </a:rPr>
+              <a:t>_data folder contains configuration files (with the extension .yaml or .yml) for editing certain sections of the website (e.g. </a:t>
+            </a:r>
+            <a:r>
+              <a:rPr lang="en-US" sz="1400" dirty="0" smtClean="0">
+                <a:solidFill>
+                  <a:srgbClr val="C00000"/>
+                </a:solidFill>
+              </a:rPr>
+              <a:t>homepage, navigation)</a:t>
+            </a:r>
+            <a:endParaRPr lang="en-US" sz="1400" dirty="0">
+              <a:solidFill>
+                <a:srgbClr val="C00000"/>
+              </a:solidFill>
+            </a:endParaRPr>
+          </a:p>
+        </p:txBody>
+      </p:sp>
+      <p:cxnSp>
+        <p:nvCxnSpPr>
+          <p:cNvPr id="19" name="Straight Arrow Connector 18"/>
+          <p:cNvCxnSpPr>
+            <a:stCxn id="18" idx="3"/>
+            <a:endCxn id="24" idx="1"/>
+          </p:cNvCxnSpPr>
+          <p:nvPr/>
+        </p:nvCxnSpPr>
+        <p:spPr>
+          <a:xfrm flipV="1">
+            <a:off x="2416629" y="2191150"/>
+            <a:ext cx="779008" cy="293614"/>
+          </a:xfrm>
+          <a:prstGeom prst="straightConnector1">
+            <a:avLst/>
+          </a:prstGeom>
+          <a:ln>
+            <a:solidFill>
+              <a:srgbClr val="C00000"/>
+            </a:solidFill>
+            <a:tailEnd type="triangle"/>
+          </a:ln>
+        </p:spPr>
+        <p:style>
+          <a:lnRef idx="1">
+            <a:schemeClr val="accent1"/>
+          </a:lnRef>
+          <a:fillRef idx="0">
+            <a:schemeClr val="accent1"/>
+          </a:fillRef>
+          <a:effectRef idx="0">
+            <a:schemeClr val="accent1"/>
+          </a:effectRef>
+          <a:fontRef idx="minor">
+            <a:schemeClr val="tx1"/>
+          </a:fontRef>
+        </p:style>
+      </p:cxnSp>
+      <p:sp>
+        <p:nvSpPr>
+          <p:cNvPr id="24" name="Rectangle 23"/>
+          <p:cNvSpPr/>
+          <p:nvPr/>
+        </p:nvSpPr>
+        <p:spPr>
+          <a:xfrm>
+            <a:off x="3195637" y="2065668"/>
+            <a:ext cx="919163" cy="250964"/>
+          </a:xfrm>
+          <a:prstGeom prst="rect">
+            <a:avLst/>
+          </a:prstGeom>
+          <a:noFill/>
+          <a:ln w="28575">
+            <a:solidFill>
+              <a:srgbClr val="C00000"/>
+            </a:solidFill>
+          </a:ln>
+        </p:spPr>
+        <p:style>
+          <a:lnRef idx="2">
+            <a:schemeClr val="accent1">
+              <a:shade val="50000"/>
+            </a:schemeClr>
+          </a:lnRef>
+          <a:fillRef idx="1">
+            <a:schemeClr val="accent1"/>
+          </a:fillRef>
+          <a:effectRef idx="0">
+            <a:schemeClr val="accent1"/>
+          </a:effectRef>
+          <a:fontRef idx="minor">
+            <a:schemeClr val="lt1"/>
+          </a:fontRef>
+        </p:style>
+        <p:txBody>
+          <a:bodyPr rtlCol="0" anchor="ctr"/>
+          <a:lstStyle/>
+          <a:p>
+            <a:pPr algn="ctr"/>
+            <a:endParaRPr lang="en-US"/>
+          </a:p>
+        </p:txBody>
+      </p:sp>
+      <p:pic>
+        <p:nvPicPr>
+          <p:cNvPr id="7" name="Picture 6"/>
+          <p:cNvPicPr>
+            <a:picLocks noChangeAspect="1"/>
+          </p:cNvPicPr>
+          <p:nvPr/>
+        </p:nvPicPr>
+        <p:blipFill>
+          <a:blip r:embed="rId3"/>
+          <a:stretch>
+            <a:fillRect/>
+          </a:stretch>
+        </p:blipFill>
+        <p:spPr>
+          <a:xfrm>
+            <a:off x="3195637" y="3677230"/>
+            <a:ext cx="6419850" cy="2724150"/>
+          </a:xfrm>
+          <a:prstGeom prst="rect">
+            <a:avLst/>
+          </a:prstGeom>
+        </p:spPr>
+      </p:pic>
+      <p:sp>
+        <p:nvSpPr>
+          <p:cNvPr id="9" name="TextBox 8"/>
+          <p:cNvSpPr txBox="1"/>
+          <p:nvPr/>
+        </p:nvSpPr>
+        <p:spPr>
+          <a:xfrm>
+            <a:off x="809685" y="4555327"/>
+            <a:ext cx="2038018" cy="1384995"/>
+          </a:xfrm>
+          <a:prstGeom prst="rect">
+            <a:avLst/>
+          </a:prstGeom>
+          <a:noFill/>
+          <a:ln w="19050">
+            <a:noFill/>
+          </a:ln>
+        </p:spPr>
+        <p:txBody>
+          <a:bodyPr wrap="square" rtlCol="0">
+            <a:spAutoFit/>
+          </a:bodyPr>
+          <a:lstStyle/>
+          <a:p>
+            <a:r>
+              <a:rPr lang="en-US" sz="1400" dirty="0" smtClean="0">
+                <a:solidFill>
+                  <a:srgbClr val="C00000"/>
+                </a:solidFill>
+              </a:rPr>
+              <a:t>Clicking on the _data folder will bring you to all the configuration files used for the SAC website (e.g. </a:t>
+            </a:r>
+            <a:r>
+              <a:rPr lang="en-US" sz="1400" dirty="0" smtClean="0">
+                <a:solidFill>
+                  <a:srgbClr val="C00000"/>
+                </a:solidFill>
+              </a:rPr>
+              <a:t>homepage.yml, navigation.yml)</a:t>
+            </a:r>
+            <a:endParaRPr lang="en-US" sz="1400" dirty="0">
+              <a:solidFill>
+                <a:srgbClr val="C00000"/>
+              </a:solidFill>
+            </a:endParaRPr>
+          </a:p>
+        </p:txBody>
+      </p:sp>
+    </p:spTree>
+    <p:extLst>
+      <p:ext uri="{BB962C8B-B14F-4D97-AF65-F5344CB8AC3E}">
+        <p14:creationId xmlns:p14="http://schemas.microsoft.com/office/powerpoint/2010/main" val="1248339594"/>
+      </p:ext>
+    </p:extLst>
+  </p:cSld>
+  <p:clrMapOvr>
+    <a:masterClrMapping/>
+  </p:clrMapOvr>
+  <p:timing>
+    <p:tnLst>
+      <p:par>
+        <p:cTn id="1" dur="indefinite" restart="never" nodeType="tmRoot"/>
+      </p:par>
+    </p:tnLst>
+  </p:timing>
+</p:sld>
+</file>
+
+<file path=ppt/slides/slide12.xml><?xml version="1.0" encoding="utf-8"?>
+<p:sld xmlns:a="http://schemas.openxmlformats.org/drawingml/2006/main" xmlns:r="http://schemas.openxmlformats.org/officeDocument/2006/relationships" xmlns:p="http://schemas.openxmlformats.org/presentationml/2006/main">
+  <p:cSld>
+    <p:spTree>
+      <p:nvGrpSpPr>
+        <p:cNvPr id="1" name=""/>
+        <p:cNvGrpSpPr/>
+        <p:nvPr/>
+      </p:nvGrpSpPr>
+      <p:grpSpPr>
+        <a:xfrm>
+          <a:off x="0" y="0"/>
+          <a:ext cx="0" cy="0"/>
+          <a:chOff x="0" y="0"/>
+          <a:chExt cx="0" cy="0"/>
+        </a:xfrm>
+      </p:grpSpPr>
+      <p:sp>
+        <p:nvSpPr>
+          <p:cNvPr id="4" name="Title 3"/>
+          <p:cNvSpPr>
+            <a:spLocks noGrp="1"/>
+          </p:cNvSpPr>
+          <p:nvPr>
+            <p:ph type="title"/>
+          </p:nvPr>
+        </p:nvSpPr>
+        <p:spPr/>
+        <p:txBody>
+          <a:bodyPr/>
+          <a:lstStyle/>
+          <a:p>
+            <a:r>
+              <a:rPr lang="en-US" dirty="0" smtClean="0"/>
+              <a:t>Github Repository – Navigation Banner Links</a:t>
+            </a:r>
+            <a:endParaRPr lang="en-US" dirty="0"/>
+          </a:p>
+        </p:txBody>
+      </p:sp>
+      <p:pic>
+        <p:nvPicPr>
+          <p:cNvPr id="6" name="Picture 5"/>
+          <p:cNvPicPr>
+            <a:picLocks noChangeAspect="1"/>
+          </p:cNvPicPr>
+          <p:nvPr/>
+        </p:nvPicPr>
+        <p:blipFill>
+          <a:blip r:embed="rId2"/>
+          <a:stretch>
+            <a:fillRect/>
+          </a:stretch>
+        </p:blipFill>
+        <p:spPr>
+          <a:xfrm>
+            <a:off x="4218486" y="1569793"/>
+            <a:ext cx="5609109" cy="5151392"/>
+          </a:xfrm>
+          <a:prstGeom prst="rect">
+            <a:avLst/>
+          </a:prstGeom>
+        </p:spPr>
+      </p:pic>
+      <p:sp>
+        <p:nvSpPr>
+          <p:cNvPr id="7" name="TextBox 6"/>
+          <p:cNvSpPr txBox="1"/>
+          <p:nvPr/>
+        </p:nvSpPr>
+        <p:spPr>
+          <a:xfrm>
+            <a:off x="791599" y="1728715"/>
+            <a:ext cx="2996630" cy="954107"/>
+          </a:xfrm>
+          <a:prstGeom prst="rect">
+            <a:avLst/>
+          </a:prstGeom>
+          <a:noFill/>
+          <a:ln w="19050">
+            <a:noFill/>
+          </a:ln>
+        </p:spPr>
+        <p:txBody>
+          <a:bodyPr wrap="square" rtlCol="0">
+            <a:spAutoFit/>
+          </a:bodyPr>
+          <a:lstStyle/>
+          <a:p>
+            <a:r>
+              <a:rPr lang="en-US" sz="1400" dirty="0" smtClean="0">
+                <a:solidFill>
+                  <a:srgbClr val="C00000"/>
+                </a:solidFill>
+              </a:rPr>
+              <a:t>The titles and links for all the pages in the website are contained inside the ‘navigation.yml’ file inside the ‘_data’folder</a:t>
+            </a:r>
+            <a:endParaRPr lang="en-US" sz="1400" dirty="0">
+              <a:solidFill>
+                <a:srgbClr val="C00000"/>
+              </a:solidFill>
+            </a:endParaRPr>
+          </a:p>
+        </p:txBody>
+      </p:sp>
+    </p:spTree>
+    <p:extLst>
+      <p:ext uri="{BB962C8B-B14F-4D97-AF65-F5344CB8AC3E}">
+        <p14:creationId xmlns:p14="http://schemas.microsoft.com/office/powerpoint/2010/main" val="416760414"/>
+      </p:ext>
+    </p:extLst>
+  </p:cSld>
+  <p:clrMapOvr>
+    <a:masterClrMapping/>
+  </p:clrMapOvr>
+  <p:timing>
+    <p:tnLst>
+      <p:par>
+        <p:cTn id="1" dur="indefinite" restart="never" nodeType="tmRoot"/>
+      </p:par>
+    </p:tnLst>
+  </p:timing>
+</p:sld>
+</file>
+
+<file path=ppt/slides/slide13.xml><?xml version="1.0" encoding="utf-8"?>
+<p:sld xmlns:a="http://schemas.openxmlformats.org/drawingml/2006/main" xmlns:r="http://schemas.openxmlformats.org/officeDocument/2006/relationships" xmlns:p="http://schemas.openxmlformats.org/presentationml/2006/main">
+  <p:cSld>
+    <p:spTree>
+      <p:nvGrpSpPr>
+        <p:cNvPr id="1" name=""/>
+        <p:cNvGrpSpPr/>
+        <p:nvPr/>
+      </p:nvGrpSpPr>
+      <p:grpSpPr>
+        <a:xfrm>
+          <a:off x="0" y="0"/>
+          <a:ext cx="0" cy="0"/>
+          <a:chOff x="0" y="0"/>
+          <a:chExt cx="0" cy="0"/>
+        </a:xfrm>
+      </p:grpSpPr>
+      <p:sp>
+        <p:nvSpPr>
+          <p:cNvPr id="4" name="Title 3"/>
+          <p:cNvSpPr>
+            <a:spLocks noGrp="1"/>
+          </p:cNvSpPr>
+          <p:nvPr>
+            <p:ph type="title"/>
+          </p:nvPr>
+        </p:nvSpPr>
+        <p:spPr/>
+        <p:txBody>
+          <a:bodyPr/>
+          <a:lstStyle/>
+          <a:p>
+            <a:r>
+              <a:rPr lang="en-US" dirty="0" smtClean="0"/>
+              <a:t>Github Repository – Navigation Banner Links</a:t>
+            </a:r>
+            <a:endParaRPr lang="en-US" dirty="0"/>
+          </a:p>
+        </p:txBody>
+      </p:sp>
+      <p:pic>
+        <p:nvPicPr>
+          <p:cNvPr id="6" name="Picture 5"/>
+          <p:cNvPicPr>
+            <a:picLocks noChangeAspect="1"/>
+          </p:cNvPicPr>
+          <p:nvPr/>
+        </p:nvPicPr>
+        <p:blipFill>
+          <a:blip r:embed="rId2"/>
+          <a:stretch>
+            <a:fillRect/>
+          </a:stretch>
+        </p:blipFill>
+        <p:spPr>
+          <a:xfrm>
+            <a:off x="4218486" y="1569793"/>
+            <a:ext cx="5609109" cy="5151392"/>
+          </a:xfrm>
+          <a:prstGeom prst="rect">
+            <a:avLst/>
+          </a:prstGeom>
+        </p:spPr>
+      </p:pic>
+      <p:sp>
+        <p:nvSpPr>
+          <p:cNvPr id="7" name="TextBox 6"/>
+          <p:cNvSpPr txBox="1"/>
+          <p:nvPr/>
+        </p:nvSpPr>
+        <p:spPr>
+          <a:xfrm>
+            <a:off x="791599" y="1728715"/>
+            <a:ext cx="2996630" cy="954107"/>
+          </a:xfrm>
+          <a:prstGeom prst="rect">
+            <a:avLst/>
+          </a:prstGeom>
+          <a:noFill/>
+          <a:ln w="19050">
+            <a:noFill/>
+          </a:ln>
+        </p:spPr>
+        <p:txBody>
+          <a:bodyPr wrap="square" rtlCol="0">
+            <a:spAutoFit/>
+          </a:bodyPr>
+          <a:lstStyle/>
+          <a:p>
+            <a:r>
+              <a:rPr lang="en-US" sz="1400" dirty="0" smtClean="0">
+                <a:solidFill>
+                  <a:srgbClr val="C00000"/>
+                </a:solidFill>
+              </a:rPr>
+              <a:t>The titles and links for all the pages in the website are contained inside the ‘navigation.yml’ file inside the ‘_data’folder</a:t>
+            </a:r>
+            <a:endParaRPr lang="en-US" sz="1400" dirty="0">
+              <a:solidFill>
+                <a:srgbClr val="C00000"/>
+              </a:solidFill>
+            </a:endParaRPr>
+          </a:p>
+        </p:txBody>
+      </p:sp>
+      <p:sp>
+        <p:nvSpPr>
+          <p:cNvPr id="8" name="TextBox 7"/>
+          <p:cNvSpPr txBox="1"/>
+          <p:nvPr/>
+        </p:nvSpPr>
+        <p:spPr>
+          <a:xfrm>
+            <a:off x="791599" y="2964060"/>
+            <a:ext cx="2630870" cy="523220"/>
+          </a:xfrm>
+          <a:prstGeom prst="rect">
+            <a:avLst/>
+          </a:prstGeom>
+          <a:noFill/>
+          <a:ln w="19050">
+            <a:solidFill>
+              <a:srgbClr val="C00000"/>
+            </a:solidFill>
+          </a:ln>
+        </p:spPr>
+        <p:txBody>
+          <a:bodyPr wrap="square" rtlCol="0">
+            <a:spAutoFit/>
+          </a:bodyPr>
+          <a:lstStyle/>
+          <a:p>
+            <a:r>
+              <a:rPr lang="en-US" sz="1400" dirty="0" smtClean="0">
+                <a:solidFill>
+                  <a:srgbClr val="C00000"/>
+                </a:solidFill>
+              </a:rPr>
+              <a:t>Title and url of a main banner navigation link (e.g. ‘About’)</a:t>
+            </a:r>
+            <a:endParaRPr lang="en-US" sz="1400" dirty="0">
+              <a:solidFill>
+                <a:srgbClr val="C00000"/>
+              </a:solidFill>
+            </a:endParaRPr>
+          </a:p>
+        </p:txBody>
+      </p:sp>
+      <p:cxnSp>
+        <p:nvCxnSpPr>
+          <p:cNvPr id="10" name="Straight Arrow Connector 9"/>
+          <p:cNvCxnSpPr>
+            <a:stCxn id="8" idx="3"/>
+            <a:endCxn id="24" idx="1"/>
+          </p:cNvCxnSpPr>
+          <p:nvPr/>
+        </p:nvCxnSpPr>
+        <p:spPr>
+          <a:xfrm>
+            <a:off x="3422469" y="3225670"/>
+            <a:ext cx="1170419" cy="91616"/>
+          </a:xfrm>
+          <a:prstGeom prst="straightConnector1">
+            <a:avLst/>
+          </a:prstGeom>
+          <a:ln>
+            <a:solidFill>
+              <a:srgbClr val="C00000"/>
+            </a:solidFill>
+            <a:tailEnd type="triangle"/>
+          </a:ln>
+        </p:spPr>
+        <p:style>
+          <a:lnRef idx="1">
+            <a:schemeClr val="accent1"/>
+          </a:lnRef>
+          <a:fillRef idx="0">
+            <a:schemeClr val="accent1"/>
+          </a:fillRef>
+          <a:effectRef idx="0">
+            <a:schemeClr val="accent1"/>
+          </a:effectRef>
+          <a:fontRef idx="minor">
+            <a:schemeClr val="tx1"/>
+          </a:fontRef>
+        </p:style>
+      </p:cxnSp>
+      <p:sp>
+        <p:nvSpPr>
+          <p:cNvPr id="18" name="TextBox 17"/>
+          <p:cNvSpPr txBox="1"/>
+          <p:nvPr/>
+        </p:nvSpPr>
+        <p:spPr>
+          <a:xfrm>
+            <a:off x="791599" y="4582552"/>
+            <a:ext cx="2630870" cy="523220"/>
+          </a:xfrm>
+          <a:prstGeom prst="rect">
+            <a:avLst/>
+          </a:prstGeom>
+          <a:noFill/>
+          <a:ln w="19050">
+            <a:solidFill>
+              <a:srgbClr val="C00000"/>
+            </a:solidFill>
+          </a:ln>
+        </p:spPr>
+        <p:txBody>
+          <a:bodyPr wrap="square" rtlCol="0">
+            <a:spAutoFit/>
+          </a:bodyPr>
+          <a:lstStyle/>
+          <a:p>
+            <a:r>
+              <a:rPr lang="en-US" sz="1400" dirty="0" smtClean="0">
+                <a:solidFill>
+                  <a:srgbClr val="C00000"/>
+                </a:solidFill>
+              </a:rPr>
+              <a:t>Title and url of a sub-link under the ‘About’ navigation section</a:t>
+            </a:r>
+            <a:endParaRPr lang="en-US" sz="1400" dirty="0">
+              <a:solidFill>
+                <a:srgbClr val="C00000"/>
+              </a:solidFill>
+            </a:endParaRPr>
+          </a:p>
+        </p:txBody>
+      </p:sp>
+      <p:cxnSp>
+        <p:nvCxnSpPr>
+          <p:cNvPr id="20" name="Straight Arrow Connector 19"/>
+          <p:cNvCxnSpPr>
+            <a:stCxn id="18" idx="3"/>
+            <a:endCxn id="25" idx="1"/>
+          </p:cNvCxnSpPr>
+          <p:nvPr/>
+        </p:nvCxnSpPr>
+        <p:spPr>
+          <a:xfrm flipV="1">
+            <a:off x="3422469" y="4519307"/>
+            <a:ext cx="1237771" cy="324855"/>
+          </a:xfrm>
+          <a:prstGeom prst="straightConnector1">
+            <a:avLst/>
+          </a:prstGeom>
+          <a:ln>
+            <a:solidFill>
+              <a:srgbClr val="C00000"/>
+            </a:solidFill>
+            <a:tailEnd type="triangle"/>
+          </a:ln>
+        </p:spPr>
+        <p:style>
+          <a:lnRef idx="1">
+            <a:schemeClr val="accent1"/>
+          </a:lnRef>
+          <a:fillRef idx="0">
+            <a:schemeClr val="accent1"/>
+          </a:fillRef>
+          <a:effectRef idx="0">
+            <a:schemeClr val="accent1"/>
+          </a:effectRef>
+          <a:fontRef idx="minor">
+            <a:schemeClr val="tx1"/>
+          </a:fontRef>
+        </p:style>
+      </p:cxnSp>
+      <p:sp>
+        <p:nvSpPr>
+          <p:cNvPr id="24" name="Rectangle 23"/>
+          <p:cNvSpPr/>
+          <p:nvPr/>
+        </p:nvSpPr>
+        <p:spPr>
+          <a:xfrm>
+            <a:off x="4592888" y="3186481"/>
+            <a:ext cx="823834" cy="261610"/>
+          </a:xfrm>
+          <a:prstGeom prst="rect">
+            <a:avLst/>
+          </a:prstGeom>
+          <a:noFill/>
+          <a:ln w="28575">
+            <a:solidFill>
+              <a:srgbClr val="C00000"/>
+            </a:solidFill>
+          </a:ln>
+        </p:spPr>
+        <p:style>
+          <a:lnRef idx="2">
+            <a:schemeClr val="accent1">
+              <a:shade val="50000"/>
+            </a:schemeClr>
+          </a:lnRef>
+          <a:fillRef idx="1">
+            <a:schemeClr val="accent1"/>
+          </a:fillRef>
+          <a:effectRef idx="0">
+            <a:schemeClr val="accent1"/>
+          </a:effectRef>
+          <a:fontRef idx="minor">
+            <a:schemeClr val="lt1"/>
+          </a:fontRef>
+        </p:style>
+        <p:txBody>
+          <a:bodyPr rtlCol="0" anchor="ctr"/>
+          <a:lstStyle/>
+          <a:p>
+            <a:pPr algn="ctr"/>
+            <a:endParaRPr lang="en-US"/>
+          </a:p>
+        </p:txBody>
+      </p:sp>
+      <p:sp>
+        <p:nvSpPr>
+          <p:cNvPr id="25" name="Rectangle 24"/>
+          <p:cNvSpPr/>
+          <p:nvPr/>
+        </p:nvSpPr>
+        <p:spPr>
+          <a:xfrm>
+            <a:off x="4660240" y="4375173"/>
+            <a:ext cx="1714433" cy="288268"/>
+          </a:xfrm>
+          <a:prstGeom prst="rect">
+            <a:avLst/>
+          </a:prstGeom>
+          <a:noFill/>
+          <a:ln w="28575">
+            <a:solidFill>
+              <a:srgbClr val="C00000"/>
+            </a:solidFill>
+          </a:ln>
+        </p:spPr>
+        <p:style>
+          <a:lnRef idx="2">
+            <a:schemeClr val="accent1">
+              <a:shade val="50000"/>
+            </a:schemeClr>
+          </a:lnRef>
+          <a:fillRef idx="1">
+            <a:schemeClr val="accent1"/>
+          </a:fillRef>
+          <a:effectRef idx="0">
+            <a:schemeClr val="accent1"/>
+          </a:effectRef>
+          <a:fontRef idx="minor">
+            <a:schemeClr val="lt1"/>
+          </a:fontRef>
+        </p:style>
+        <p:txBody>
+          <a:bodyPr rtlCol="0" anchor="ctr"/>
+          <a:lstStyle/>
+          <a:p>
+            <a:pPr algn="ctr"/>
+            <a:endParaRPr lang="en-US"/>
+          </a:p>
+        </p:txBody>
+      </p:sp>
+      <p:sp>
+        <p:nvSpPr>
+          <p:cNvPr id="29" name="Rectangle 28"/>
+          <p:cNvSpPr/>
+          <p:nvPr/>
+        </p:nvSpPr>
+        <p:spPr>
+          <a:xfrm>
+            <a:off x="4610539" y="5900245"/>
+            <a:ext cx="823834" cy="261610"/>
+          </a:xfrm>
+          <a:prstGeom prst="rect">
+            <a:avLst/>
+          </a:prstGeom>
+          <a:noFill/>
+          <a:ln w="28575">
+            <a:solidFill>
+              <a:srgbClr val="C00000"/>
+            </a:solidFill>
+          </a:ln>
+        </p:spPr>
+        <p:style>
+          <a:lnRef idx="2">
+            <a:schemeClr val="accent1">
+              <a:shade val="50000"/>
+            </a:schemeClr>
+          </a:lnRef>
+          <a:fillRef idx="1">
+            <a:schemeClr val="accent1"/>
+          </a:fillRef>
+          <a:effectRef idx="0">
+            <a:schemeClr val="accent1"/>
+          </a:effectRef>
+          <a:fontRef idx="minor">
+            <a:schemeClr val="lt1"/>
+          </a:fontRef>
+        </p:style>
+        <p:txBody>
+          <a:bodyPr rtlCol="0" anchor="ctr"/>
+          <a:lstStyle/>
+          <a:p>
+            <a:pPr algn="ctr"/>
+            <a:endParaRPr lang="en-US"/>
+          </a:p>
+        </p:txBody>
+      </p:sp>
+      <p:cxnSp>
+        <p:nvCxnSpPr>
+          <p:cNvPr id="32" name="Straight Arrow Connector 31"/>
+          <p:cNvCxnSpPr>
+            <a:stCxn id="8" idx="3"/>
+            <a:endCxn id="29" idx="1"/>
+          </p:cNvCxnSpPr>
+          <p:nvPr/>
+        </p:nvCxnSpPr>
+        <p:spPr>
+          <a:xfrm>
+            <a:off x="3422469" y="3225670"/>
+            <a:ext cx="1188070" cy="2805380"/>
+          </a:xfrm>
+          <a:prstGeom prst="straightConnector1">
+            <a:avLst/>
+          </a:prstGeom>
+          <a:ln>
+            <a:solidFill>
+              <a:srgbClr val="C00000"/>
+            </a:solidFill>
+            <a:tailEnd type="triangle"/>
+          </a:ln>
+        </p:spPr>
+        <p:style>
+          <a:lnRef idx="1">
+            <a:schemeClr val="accent1"/>
+          </a:lnRef>
+          <a:fillRef idx="0">
+            <a:schemeClr val="accent1"/>
+          </a:fillRef>
+          <a:effectRef idx="0">
+            <a:schemeClr val="accent1"/>
+          </a:effectRef>
+          <a:fontRef idx="minor">
+            <a:schemeClr val="tx1"/>
+          </a:fontRef>
+        </p:style>
+      </p:cxnSp>
+      <p:sp>
+        <p:nvSpPr>
+          <p:cNvPr id="13" name="TextBox 12"/>
+          <p:cNvSpPr txBox="1"/>
+          <p:nvPr/>
+        </p:nvSpPr>
+        <p:spPr>
+          <a:xfrm>
+            <a:off x="10011409" y="3271478"/>
+            <a:ext cx="1980294" cy="1754326"/>
+          </a:xfrm>
+          <a:prstGeom prst="rect">
+            <a:avLst/>
+          </a:prstGeom>
+          <a:noFill/>
+          <a:ln w="19050">
+            <a:noFill/>
+          </a:ln>
+        </p:spPr>
+        <p:txBody>
+          <a:bodyPr wrap="square" rtlCol="0">
+            <a:spAutoFit/>
+          </a:bodyPr>
+          <a:lstStyle/>
+          <a:p>
+            <a:r>
+              <a:rPr lang="en-US" dirty="0" smtClean="0">
+                <a:solidFill>
+                  <a:srgbClr val="C00000"/>
+                </a:solidFill>
+              </a:rPr>
+              <a:t>The spacing in the navigation.yml file must be correct, otherwise the website may break. </a:t>
+            </a:r>
+            <a:endParaRPr lang="en-US" dirty="0">
+              <a:solidFill>
+                <a:srgbClr val="C00000"/>
+              </a:solidFill>
+            </a:endParaRPr>
+          </a:p>
+        </p:txBody>
+      </p:sp>
+    </p:spTree>
+    <p:extLst>
+      <p:ext uri="{BB962C8B-B14F-4D97-AF65-F5344CB8AC3E}">
+        <p14:creationId xmlns:p14="http://schemas.microsoft.com/office/powerpoint/2010/main" val="4150702265"/>
+      </p:ext>
+    </p:extLst>
+  </p:cSld>
+  <p:clrMapOvr>
+    <a:masterClrMapping/>
+  </p:clrMapOvr>
+  <p:timing>
+    <p:tnLst>
+      <p:par>
+        <p:cTn id="1" dur="indefinite" restart="never" nodeType="tmRoot"/>
+      </p:par>
+    </p:tnLst>
+  </p:timing>
+</p:sld>
+</file>
+
+<file path=ppt/slides/slide14.xml><?xml version="1.0" encoding="utf-8"?>
+<p:sld xmlns:a="http://schemas.openxmlformats.org/drawingml/2006/main" xmlns:r="http://schemas.openxmlformats.org/officeDocument/2006/relationships" xmlns:p="http://schemas.openxmlformats.org/presentationml/2006/main">
+  <p:cSld>
+    <p:spTree>
+      <p:nvGrpSpPr>
+        <p:cNvPr id="1" name=""/>
+        <p:cNvGrpSpPr/>
+        <p:nvPr/>
+      </p:nvGrpSpPr>
+      <p:grpSpPr>
+        <a:xfrm>
+          <a:off x="0" y="0"/>
+          <a:ext cx="0" cy="0"/>
+          <a:chOff x="0" y="0"/>
+          <a:chExt cx="0" cy="0"/>
+        </a:xfrm>
+      </p:grpSpPr>
+      <p:sp>
+        <p:nvSpPr>
+          <p:cNvPr id="2" name="Content Placeholder 1"/>
+          <p:cNvSpPr>
+            <a:spLocks noGrp="1"/>
+          </p:cNvSpPr>
+          <p:nvPr>
+            <p:ph sz="half" idx="1"/>
+          </p:nvPr>
+        </p:nvSpPr>
+        <p:spPr>
+          <a:xfrm>
+            <a:off x="541333" y="1641679"/>
+            <a:ext cx="10836415" cy="4507421"/>
+          </a:xfrm>
+        </p:spPr>
+        <p:txBody>
+          <a:bodyPr/>
+          <a:lstStyle/>
+          <a:p>
+            <a:pPr marL="0" indent="0">
+              <a:buNone/>
+            </a:pPr>
+            <a:r>
+              <a:rPr lang="en-US" dirty="0" smtClean="0">
+                <a:solidFill>
+                  <a:srgbClr val="2A3643"/>
+                </a:solidFill>
+              </a:rPr>
+              <a:t>The SAC website uses 3 Isomer template layouts</a:t>
+            </a:r>
+          </a:p>
+          <a:p>
+            <a:pPr lvl="1"/>
+            <a:r>
+              <a:rPr lang="en-US" dirty="0">
+                <a:solidFill>
+                  <a:srgbClr val="2A3643"/>
+                </a:solidFill>
+              </a:rPr>
+              <a:t>l</a:t>
+            </a:r>
+            <a:r>
+              <a:rPr lang="en-US" dirty="0" smtClean="0">
+                <a:solidFill>
+                  <a:srgbClr val="2A3643"/>
+                </a:solidFill>
+              </a:rPr>
+              <a:t>eftnav-page</a:t>
+            </a:r>
+          </a:p>
+          <a:p>
+            <a:pPr lvl="1"/>
+            <a:r>
+              <a:rPr lang="en-US" dirty="0">
+                <a:solidFill>
+                  <a:srgbClr val="2A3643"/>
+                </a:solidFill>
+              </a:rPr>
+              <a:t>p</a:t>
+            </a:r>
+            <a:r>
+              <a:rPr lang="en-US" dirty="0" smtClean="0">
+                <a:solidFill>
+                  <a:srgbClr val="2A3643"/>
+                </a:solidFill>
+              </a:rPr>
+              <a:t>ost </a:t>
+            </a:r>
+          </a:p>
+          <a:p>
+            <a:pPr lvl="1"/>
+            <a:r>
+              <a:rPr lang="en-US" dirty="0" smtClean="0">
+                <a:solidFill>
+                  <a:srgbClr val="2A3643"/>
+                </a:solidFill>
+              </a:rPr>
+              <a:t>our-team</a:t>
+            </a:r>
+          </a:p>
+        </p:txBody>
+      </p:sp>
+      <p:sp>
+        <p:nvSpPr>
+          <p:cNvPr id="4" name="Title 3"/>
+          <p:cNvSpPr>
+            <a:spLocks noGrp="1"/>
+          </p:cNvSpPr>
+          <p:nvPr>
+            <p:ph type="title"/>
+          </p:nvPr>
+        </p:nvSpPr>
+        <p:spPr/>
+        <p:txBody>
+          <a:bodyPr/>
+          <a:lstStyle/>
+          <a:p>
+            <a:r>
+              <a:rPr lang="en-US" dirty="0" smtClean="0"/>
+              <a:t>Isomer Templates</a:t>
+            </a:r>
+            <a:endParaRPr lang="en-US" dirty="0"/>
+          </a:p>
+        </p:txBody>
+      </p:sp>
+    </p:spTree>
+    <p:extLst>
+      <p:ext uri="{BB962C8B-B14F-4D97-AF65-F5344CB8AC3E}">
+        <p14:creationId xmlns:p14="http://schemas.microsoft.com/office/powerpoint/2010/main" val="215046138"/>
+      </p:ext>
+    </p:extLst>
+  </p:cSld>
+  <p:clrMapOvr>
+    <a:masterClrMapping/>
+  </p:clrMapOvr>
+  <p:timing>
+    <p:tnLst>
+      <p:par>
+        <p:cTn id="1" dur="indefinite" restart="never" nodeType="tmRoot"/>
+      </p:par>
+    </p:tnLst>
+  </p:timing>
+</p:sld>
+</file>
+
+<file path=ppt/slides/slide15.xml><?xml version="1.0" encoding="utf-8"?>
+<p:sld xmlns:a="http://schemas.openxmlformats.org/drawingml/2006/main" xmlns:r="http://schemas.openxmlformats.org/officeDocument/2006/relationships" xmlns:p="http://schemas.openxmlformats.org/presentationml/2006/main">
+  <p:cSld>
+    <p:spTree>
+      <p:nvGrpSpPr>
+        <p:cNvPr id="1" name=""/>
+        <p:cNvGrpSpPr/>
+        <p:nvPr/>
+      </p:nvGrpSpPr>
+      <p:grpSpPr>
+        <a:xfrm>
+          <a:off x="0" y="0"/>
+          <a:ext cx="0" cy="0"/>
+          <a:chOff x="0" y="0"/>
+          <a:chExt cx="0" cy="0"/>
+        </a:xfrm>
+      </p:grpSpPr>
+      <p:pic>
+        <p:nvPicPr>
+          <p:cNvPr id="17" name="Picture 16"/>
+          <p:cNvPicPr>
+            <a:picLocks noChangeAspect="1"/>
+          </p:cNvPicPr>
+          <p:nvPr/>
+        </p:nvPicPr>
+        <p:blipFill>
+          <a:blip r:embed="rId2"/>
+          <a:stretch>
+            <a:fillRect/>
+          </a:stretch>
+        </p:blipFill>
+        <p:spPr>
+          <a:xfrm>
+            <a:off x="4323534" y="2116184"/>
+            <a:ext cx="5917234" cy="4572408"/>
+          </a:xfrm>
+          <a:prstGeom prst="rect">
+            <a:avLst/>
+          </a:prstGeom>
+        </p:spPr>
+      </p:pic>
+      <p:sp>
+        <p:nvSpPr>
+          <p:cNvPr id="2" name="Content Placeholder 1"/>
+          <p:cNvSpPr>
+            <a:spLocks noGrp="1"/>
+          </p:cNvSpPr>
+          <p:nvPr>
+            <p:ph sz="half" idx="1"/>
+          </p:nvPr>
+        </p:nvSpPr>
+        <p:spPr>
+          <a:xfrm>
+            <a:off x="541333" y="1641680"/>
+            <a:ext cx="10836415" cy="474504"/>
+          </a:xfrm>
+        </p:spPr>
+        <p:txBody>
+          <a:bodyPr/>
+          <a:lstStyle/>
+          <a:p>
+            <a:pPr marL="0" indent="0">
+              <a:buNone/>
+            </a:pPr>
+            <a:r>
+              <a:rPr lang="en-US" dirty="0" smtClean="0">
+                <a:solidFill>
+                  <a:srgbClr val="2A3643"/>
+                </a:solidFill>
+              </a:rPr>
+              <a:t>The leftnav-page template is used for most of the pages in the SAC website.</a:t>
+            </a:r>
+          </a:p>
+        </p:txBody>
+      </p:sp>
+      <p:sp>
+        <p:nvSpPr>
+          <p:cNvPr id="4" name="Title 3"/>
+          <p:cNvSpPr>
+            <a:spLocks noGrp="1"/>
+          </p:cNvSpPr>
+          <p:nvPr>
+            <p:ph type="title"/>
+          </p:nvPr>
+        </p:nvSpPr>
+        <p:spPr/>
+        <p:txBody>
+          <a:bodyPr/>
+          <a:lstStyle/>
+          <a:p>
+            <a:r>
+              <a:rPr lang="en-US" dirty="0" smtClean="0"/>
+              <a:t>Isomer Templates – leftnav-page</a:t>
+            </a:r>
+            <a:endParaRPr lang="en-US" dirty="0"/>
+          </a:p>
+        </p:txBody>
+      </p:sp>
+      <p:sp>
+        <p:nvSpPr>
+          <p:cNvPr id="5" name="TextBox 4"/>
+          <p:cNvSpPr txBox="1"/>
+          <p:nvPr/>
+        </p:nvSpPr>
+        <p:spPr>
+          <a:xfrm>
+            <a:off x="1115316" y="3461617"/>
+            <a:ext cx="2071238" cy="1384995"/>
+          </a:xfrm>
+          <a:prstGeom prst="rect">
+            <a:avLst/>
+          </a:prstGeom>
+          <a:noFill/>
+          <a:ln w="19050">
+            <a:solidFill>
+              <a:srgbClr val="C00000"/>
+            </a:solidFill>
+          </a:ln>
+        </p:spPr>
+        <p:txBody>
+          <a:bodyPr wrap="square" rtlCol="0">
+            <a:spAutoFit/>
+          </a:bodyPr>
+          <a:lstStyle/>
+          <a:p>
+            <a:r>
+              <a:rPr lang="en-US" sz="1400" dirty="0" smtClean="0">
+                <a:solidFill>
+                  <a:srgbClr val="C00000"/>
+                </a:solidFill>
+              </a:rPr>
+              <a:t>Pages using the leftnav-page template have a left-side navgiation panel that contains the links of all the sub-pages under the main navigation link</a:t>
+            </a:r>
+            <a:endParaRPr lang="en-US" sz="1400" dirty="0">
+              <a:solidFill>
+                <a:srgbClr val="C00000"/>
+              </a:solidFill>
+            </a:endParaRPr>
+          </a:p>
+        </p:txBody>
+      </p:sp>
+      <p:cxnSp>
+        <p:nvCxnSpPr>
+          <p:cNvPr id="6" name="Straight Arrow Connector 5"/>
+          <p:cNvCxnSpPr>
+            <a:stCxn id="5" idx="3"/>
+            <a:endCxn id="11" idx="1"/>
+          </p:cNvCxnSpPr>
+          <p:nvPr/>
+        </p:nvCxnSpPr>
+        <p:spPr>
+          <a:xfrm>
+            <a:off x="3186554" y="4154115"/>
+            <a:ext cx="1257695" cy="906783"/>
+          </a:xfrm>
+          <a:prstGeom prst="straightConnector1">
+            <a:avLst/>
+          </a:prstGeom>
+          <a:ln>
+            <a:solidFill>
+              <a:srgbClr val="C00000"/>
+            </a:solidFill>
+            <a:tailEnd type="triangle"/>
+          </a:ln>
+        </p:spPr>
+        <p:style>
+          <a:lnRef idx="1">
+            <a:schemeClr val="accent1"/>
+          </a:lnRef>
+          <a:fillRef idx="0">
+            <a:schemeClr val="accent1"/>
+          </a:fillRef>
+          <a:effectRef idx="0">
+            <a:schemeClr val="accent1"/>
+          </a:effectRef>
+          <a:fontRef idx="minor">
+            <a:schemeClr val="tx1"/>
+          </a:fontRef>
+        </p:style>
+      </p:cxnSp>
+      <p:sp>
+        <p:nvSpPr>
+          <p:cNvPr id="11" name="Rectangle 10"/>
+          <p:cNvSpPr/>
+          <p:nvPr/>
+        </p:nvSpPr>
+        <p:spPr>
+          <a:xfrm>
+            <a:off x="4444249" y="3433204"/>
+            <a:ext cx="1342597" cy="3255388"/>
+          </a:xfrm>
+          <a:prstGeom prst="rect">
+            <a:avLst/>
+          </a:prstGeom>
+          <a:noFill/>
+          <a:ln w="28575">
+            <a:solidFill>
+              <a:srgbClr val="C00000"/>
+            </a:solidFill>
+          </a:ln>
+        </p:spPr>
+        <p:style>
+          <a:lnRef idx="2">
+            <a:schemeClr val="accent1">
+              <a:shade val="50000"/>
+            </a:schemeClr>
+          </a:lnRef>
+          <a:fillRef idx="1">
+            <a:schemeClr val="accent1"/>
+          </a:fillRef>
+          <a:effectRef idx="0">
+            <a:schemeClr val="accent1"/>
+          </a:effectRef>
+          <a:fontRef idx="minor">
+            <a:schemeClr val="lt1"/>
+          </a:fontRef>
+        </p:style>
+        <p:txBody>
+          <a:bodyPr rtlCol="0" anchor="ctr"/>
+          <a:lstStyle/>
+          <a:p>
+            <a:pPr algn="ctr"/>
+            <a:endParaRPr lang="en-US"/>
+          </a:p>
+        </p:txBody>
+      </p:sp>
+    </p:spTree>
+    <p:extLst>
+      <p:ext uri="{BB962C8B-B14F-4D97-AF65-F5344CB8AC3E}">
+        <p14:creationId xmlns:p14="http://schemas.microsoft.com/office/powerpoint/2010/main" val="1058093821"/>
+      </p:ext>
+    </p:extLst>
+  </p:cSld>
+  <p:clrMapOvr>
+    <a:masterClrMapping/>
+  </p:clrMapOvr>
+</p:sld>
+</file>
+
+<file path=ppt/slides/slide16.xml><?xml version="1.0" encoding="utf-8"?>
+<p:sld xmlns:a="http://schemas.openxmlformats.org/drawingml/2006/main" xmlns:r="http://schemas.openxmlformats.org/officeDocument/2006/relationships" xmlns:p="http://schemas.openxmlformats.org/presentationml/2006/main">
+  <p:cSld>
+    <p:spTree>
+      <p:nvGrpSpPr>
+        <p:cNvPr id="1" name=""/>
+        <p:cNvGrpSpPr/>
+        <p:nvPr/>
+      </p:nvGrpSpPr>
+      <p:grpSpPr>
+        <a:xfrm>
+          <a:off x="0" y="0"/>
+          <a:ext cx="0" cy="0"/>
+          <a:chOff x="0" y="0"/>
+          <a:chExt cx="0" cy="0"/>
+        </a:xfrm>
+      </p:grpSpPr>
+      <p:sp>
+        <p:nvSpPr>
+          <p:cNvPr id="4" name="Title 3"/>
+          <p:cNvSpPr>
+            <a:spLocks noGrp="1"/>
+          </p:cNvSpPr>
+          <p:nvPr>
+            <p:ph type="title"/>
+          </p:nvPr>
+        </p:nvSpPr>
+        <p:spPr/>
+        <p:txBody>
+          <a:bodyPr/>
+          <a:lstStyle/>
+          <a:p>
+            <a:r>
+              <a:rPr lang="en-US" dirty="0"/>
+              <a:t>Isomer Templates – </a:t>
+            </a:r>
+            <a:r>
+              <a:rPr lang="en-US" dirty="0" smtClean="0"/>
+              <a:t>post</a:t>
+            </a:r>
+            <a:endParaRPr lang="en-US" dirty="0"/>
+          </a:p>
+        </p:txBody>
+      </p:sp>
+      <p:sp>
+        <p:nvSpPr>
+          <p:cNvPr id="5" name="Content Placeholder 1"/>
+          <p:cNvSpPr>
+            <a:spLocks noGrp="1"/>
+          </p:cNvSpPr>
+          <p:nvPr>
+            <p:ph sz="half" idx="1"/>
+          </p:nvPr>
+        </p:nvSpPr>
+        <p:spPr>
+          <a:xfrm>
+            <a:off x="541333" y="1641680"/>
+            <a:ext cx="10836415" cy="461440"/>
+          </a:xfrm>
+        </p:spPr>
+        <p:txBody>
+          <a:bodyPr/>
+          <a:lstStyle/>
+          <a:p>
+            <a:pPr marL="0" indent="0">
+              <a:buNone/>
+            </a:pPr>
+            <a:r>
+              <a:rPr lang="en-US" dirty="0" smtClean="0">
+                <a:solidFill>
+                  <a:srgbClr val="2A3643"/>
+                </a:solidFill>
+              </a:rPr>
+              <a:t>The post template is used for the pages inside the Newsroom link.</a:t>
+            </a:r>
+          </a:p>
+          <a:p>
+            <a:endParaRPr lang="en-US" dirty="0" smtClean="0">
+              <a:solidFill>
+                <a:srgbClr val="2A3643"/>
+              </a:solidFill>
+            </a:endParaRPr>
+          </a:p>
+        </p:txBody>
+      </p:sp>
+      <p:pic>
+        <p:nvPicPr>
+          <p:cNvPr id="7" name="Picture 6"/>
+          <p:cNvPicPr>
+            <a:picLocks noChangeAspect="1"/>
+          </p:cNvPicPr>
+          <p:nvPr/>
+        </p:nvPicPr>
+        <p:blipFill>
+          <a:blip r:embed="rId2"/>
+          <a:stretch>
+            <a:fillRect/>
+          </a:stretch>
+        </p:blipFill>
+        <p:spPr>
+          <a:xfrm>
+            <a:off x="3688623" y="2279510"/>
+            <a:ext cx="6591300" cy="4191000"/>
+          </a:xfrm>
+          <a:prstGeom prst="rect">
+            <a:avLst/>
+          </a:prstGeom>
+        </p:spPr>
+      </p:pic>
+      <p:sp>
+        <p:nvSpPr>
+          <p:cNvPr id="8" name="TextBox 7"/>
+          <p:cNvSpPr txBox="1"/>
+          <p:nvPr/>
+        </p:nvSpPr>
+        <p:spPr>
+          <a:xfrm>
+            <a:off x="541333" y="3599180"/>
+            <a:ext cx="2037806" cy="954107"/>
+          </a:xfrm>
+          <a:prstGeom prst="rect">
+            <a:avLst/>
+          </a:prstGeom>
+          <a:noFill/>
+          <a:ln w="19050">
+            <a:solidFill>
+              <a:srgbClr val="C00000"/>
+            </a:solidFill>
+          </a:ln>
+        </p:spPr>
+        <p:txBody>
+          <a:bodyPr wrap="square" rtlCol="0">
+            <a:spAutoFit/>
+          </a:bodyPr>
+          <a:lstStyle/>
+          <a:p>
+            <a:r>
+              <a:rPr lang="en-US" sz="1400" dirty="0" smtClean="0">
+                <a:solidFill>
+                  <a:srgbClr val="C00000"/>
+                </a:solidFill>
+              </a:rPr>
+              <a:t>Each ‘card’ or box in the NewsRoom page corresponds to a single </a:t>
+            </a:r>
+            <a:r>
+              <a:rPr lang="en-US" sz="1400" dirty="0" smtClean="0">
+                <a:solidFill>
+                  <a:srgbClr val="C00000"/>
+                </a:solidFill>
+              </a:rPr>
+              <a:t>‘post’ template page</a:t>
+            </a:r>
+            <a:endParaRPr lang="en-US" sz="1400" dirty="0" smtClean="0">
+              <a:solidFill>
+                <a:srgbClr val="C00000"/>
+              </a:solidFill>
+            </a:endParaRPr>
+          </a:p>
+        </p:txBody>
+      </p:sp>
+      <p:cxnSp>
+        <p:nvCxnSpPr>
+          <p:cNvPr id="9" name="Straight Arrow Connector 8"/>
+          <p:cNvCxnSpPr>
+            <a:stCxn id="8" idx="3"/>
+            <a:endCxn id="10" idx="1"/>
+          </p:cNvCxnSpPr>
+          <p:nvPr/>
+        </p:nvCxnSpPr>
+        <p:spPr>
+          <a:xfrm>
+            <a:off x="2579139" y="4076234"/>
+            <a:ext cx="1291128" cy="907941"/>
+          </a:xfrm>
+          <a:prstGeom prst="straightConnector1">
+            <a:avLst/>
+          </a:prstGeom>
+          <a:ln>
+            <a:solidFill>
+              <a:srgbClr val="C00000"/>
+            </a:solidFill>
+            <a:tailEnd type="triangle"/>
+          </a:ln>
+        </p:spPr>
+        <p:style>
+          <a:lnRef idx="1">
+            <a:schemeClr val="accent1"/>
+          </a:lnRef>
+          <a:fillRef idx="0">
+            <a:schemeClr val="accent1"/>
+          </a:fillRef>
+          <a:effectRef idx="0">
+            <a:schemeClr val="accent1"/>
+          </a:effectRef>
+          <a:fontRef idx="minor">
+            <a:schemeClr val="tx1"/>
+          </a:fontRef>
+        </p:style>
+      </p:cxnSp>
+      <p:sp>
+        <p:nvSpPr>
+          <p:cNvPr id="10" name="Rectangle 9"/>
+          <p:cNvSpPr/>
+          <p:nvPr/>
+        </p:nvSpPr>
+        <p:spPr>
+          <a:xfrm>
+            <a:off x="3870267" y="4050467"/>
+            <a:ext cx="1681448" cy="1867416"/>
+          </a:xfrm>
+          <a:prstGeom prst="rect">
+            <a:avLst/>
+          </a:prstGeom>
+          <a:noFill/>
+          <a:ln w="28575">
+            <a:solidFill>
+              <a:srgbClr val="C00000"/>
+            </a:solidFill>
+          </a:ln>
+        </p:spPr>
+        <p:style>
+          <a:lnRef idx="2">
+            <a:schemeClr val="accent1">
+              <a:shade val="50000"/>
+            </a:schemeClr>
+          </a:lnRef>
+          <a:fillRef idx="1">
+            <a:schemeClr val="accent1"/>
+          </a:fillRef>
+          <a:effectRef idx="0">
+            <a:schemeClr val="accent1"/>
+          </a:effectRef>
+          <a:fontRef idx="minor">
+            <a:schemeClr val="lt1"/>
+          </a:fontRef>
+        </p:style>
+        <p:txBody>
+          <a:bodyPr rtlCol="0" anchor="ctr"/>
+          <a:lstStyle/>
+          <a:p>
+            <a:pPr algn="ctr"/>
+            <a:endParaRPr lang="en-US"/>
+          </a:p>
+        </p:txBody>
+      </p:sp>
+    </p:spTree>
+    <p:extLst>
+      <p:ext uri="{BB962C8B-B14F-4D97-AF65-F5344CB8AC3E}">
+        <p14:creationId xmlns:p14="http://schemas.microsoft.com/office/powerpoint/2010/main" val="2227907177"/>
+      </p:ext>
+    </p:extLst>
+  </p:cSld>
+  <p:clrMapOvr>
+    <a:masterClrMapping/>
+  </p:clrMapOvr>
+</p:sld>
+</file>
+
+<file path=ppt/slides/slide17.xml><?xml version="1.0" encoding="utf-8"?>
+<p:sld xmlns:a="http://schemas.openxmlformats.org/drawingml/2006/main" xmlns:r="http://schemas.openxmlformats.org/officeDocument/2006/relationships" xmlns:p="http://schemas.openxmlformats.org/presentationml/2006/main">
+  <p:cSld>
+    <p:spTree>
+      <p:nvGrpSpPr>
+        <p:cNvPr id="1" name=""/>
+        <p:cNvGrpSpPr/>
+        <p:nvPr/>
+      </p:nvGrpSpPr>
+      <p:grpSpPr>
+        <a:xfrm>
+          <a:off x="0" y="0"/>
+          <a:ext cx="0" cy="0"/>
+          <a:chOff x="0" y="0"/>
+          <a:chExt cx="0" cy="0"/>
+        </a:xfrm>
+      </p:grpSpPr>
+      <p:pic>
+        <p:nvPicPr>
+          <p:cNvPr id="3" name="Picture 2"/>
+          <p:cNvPicPr>
+            <a:picLocks noChangeAspect="1"/>
+          </p:cNvPicPr>
+          <p:nvPr/>
+        </p:nvPicPr>
+        <p:blipFill>
+          <a:blip r:embed="rId2"/>
+          <a:stretch>
+            <a:fillRect/>
+          </a:stretch>
+        </p:blipFill>
+        <p:spPr>
+          <a:xfrm>
+            <a:off x="3347663" y="2508950"/>
+            <a:ext cx="5406634" cy="4088674"/>
+          </a:xfrm>
+          <a:prstGeom prst="rect">
+            <a:avLst/>
+          </a:prstGeom>
+        </p:spPr>
+      </p:pic>
+      <p:sp>
+        <p:nvSpPr>
+          <p:cNvPr id="4" name="Title 3"/>
+          <p:cNvSpPr>
+            <a:spLocks noGrp="1"/>
+          </p:cNvSpPr>
+          <p:nvPr>
+            <p:ph type="title"/>
+          </p:nvPr>
+        </p:nvSpPr>
+        <p:spPr/>
+        <p:txBody>
+          <a:bodyPr/>
+          <a:lstStyle/>
+          <a:p>
+            <a:r>
+              <a:rPr lang="en-US" dirty="0"/>
+              <a:t>Isomer Templates – </a:t>
+            </a:r>
+            <a:r>
+              <a:rPr lang="en-US" dirty="0" smtClean="0"/>
+              <a:t>our-team</a:t>
+            </a:r>
+            <a:endParaRPr lang="en-US" dirty="0"/>
+          </a:p>
+        </p:txBody>
+      </p:sp>
+      <p:sp>
+        <p:nvSpPr>
+          <p:cNvPr id="5" name="Content Placeholder 1"/>
+          <p:cNvSpPr>
+            <a:spLocks noGrp="1"/>
+          </p:cNvSpPr>
+          <p:nvPr>
+            <p:ph sz="half" idx="1"/>
+          </p:nvPr>
+        </p:nvSpPr>
+        <p:spPr>
+          <a:xfrm>
+            <a:off x="632773" y="1363199"/>
+            <a:ext cx="10836415" cy="1041739"/>
+          </a:xfrm>
+        </p:spPr>
+        <p:txBody>
+          <a:bodyPr>
+            <a:normAutofit fontScale="92500" lnSpcReduction="10000"/>
+          </a:bodyPr>
+          <a:lstStyle/>
+          <a:p>
+            <a:pPr marL="0" indent="0">
+              <a:lnSpc>
+                <a:spcPct val="150000"/>
+              </a:lnSpc>
+              <a:buNone/>
+            </a:pPr>
+            <a:r>
+              <a:rPr lang="en-US" dirty="0" smtClean="0">
+                <a:solidFill>
+                  <a:srgbClr val="2A3643"/>
+                </a:solidFill>
+              </a:rPr>
+              <a:t>The our-team layout is used in only specific pages like ‘Our </a:t>
+            </a:r>
+            <a:r>
+              <a:rPr lang="en-US" dirty="0">
+                <a:solidFill>
+                  <a:srgbClr val="2A3643"/>
+                </a:solidFill>
+              </a:rPr>
+              <a:t>O</a:t>
+            </a:r>
+            <a:r>
+              <a:rPr lang="en-US" dirty="0" smtClean="0">
+                <a:solidFill>
+                  <a:srgbClr val="2A3643"/>
+                </a:solidFill>
+              </a:rPr>
+              <a:t>rganisation and Structure’, ‘FAQ’ and ‘Certified Companies’.</a:t>
+            </a:r>
+          </a:p>
+          <a:p>
+            <a:endParaRPr lang="en-US" dirty="0" smtClean="0">
+              <a:solidFill>
+                <a:srgbClr val="2A3643"/>
+              </a:solidFill>
+            </a:endParaRPr>
+          </a:p>
+        </p:txBody>
+      </p:sp>
+      <p:sp>
+        <p:nvSpPr>
+          <p:cNvPr id="16" name="TextBox 15"/>
+          <p:cNvSpPr txBox="1"/>
+          <p:nvPr/>
+        </p:nvSpPr>
+        <p:spPr>
+          <a:xfrm>
+            <a:off x="1321134" y="3653191"/>
+            <a:ext cx="1887105" cy="1384995"/>
+          </a:xfrm>
+          <a:prstGeom prst="rect">
+            <a:avLst/>
+          </a:prstGeom>
+          <a:noFill/>
+          <a:ln w="19050">
+            <a:solidFill>
+              <a:srgbClr val="C00000"/>
+            </a:solidFill>
+          </a:ln>
+        </p:spPr>
+        <p:txBody>
+          <a:bodyPr wrap="square" rtlCol="0">
+            <a:spAutoFit/>
+          </a:bodyPr>
+          <a:lstStyle/>
+          <a:p>
+            <a:r>
+              <a:rPr lang="en-US" sz="1400" dirty="0" smtClean="0">
+                <a:solidFill>
+                  <a:srgbClr val="C00000"/>
+                </a:solidFill>
+              </a:rPr>
+              <a:t>Contains an accordion (collapsible content). Each horizontal section contains a brief title, description, question etc.</a:t>
+            </a:r>
+            <a:endParaRPr lang="en-US" sz="1400" dirty="0">
+              <a:solidFill>
+                <a:srgbClr val="C00000"/>
+              </a:solidFill>
+            </a:endParaRPr>
+          </a:p>
+        </p:txBody>
+      </p:sp>
+      <p:cxnSp>
+        <p:nvCxnSpPr>
+          <p:cNvPr id="17" name="Straight Arrow Connector 16"/>
+          <p:cNvCxnSpPr>
+            <a:stCxn id="16" idx="3"/>
+          </p:cNvCxnSpPr>
+          <p:nvPr/>
+        </p:nvCxnSpPr>
+        <p:spPr>
+          <a:xfrm flipV="1">
+            <a:off x="3208239" y="4345688"/>
+            <a:ext cx="1718243" cy="1"/>
+          </a:xfrm>
+          <a:prstGeom prst="straightConnector1">
+            <a:avLst/>
+          </a:prstGeom>
+          <a:ln>
+            <a:solidFill>
+              <a:srgbClr val="C00000"/>
+            </a:solidFill>
+            <a:tailEnd type="triangle"/>
+          </a:ln>
+        </p:spPr>
+        <p:style>
+          <a:lnRef idx="1">
+            <a:schemeClr val="accent1"/>
+          </a:lnRef>
+          <a:fillRef idx="0">
+            <a:schemeClr val="accent1"/>
+          </a:fillRef>
+          <a:effectRef idx="0">
+            <a:schemeClr val="accent1"/>
+          </a:effectRef>
+          <a:fontRef idx="minor">
+            <a:schemeClr val="tx1"/>
+          </a:fontRef>
+        </p:style>
+      </p:cxnSp>
+      <p:cxnSp>
+        <p:nvCxnSpPr>
+          <p:cNvPr id="18" name="Straight Arrow Connector 17"/>
+          <p:cNvCxnSpPr>
+            <a:stCxn id="16" idx="3"/>
+          </p:cNvCxnSpPr>
+          <p:nvPr/>
+        </p:nvCxnSpPr>
+        <p:spPr>
+          <a:xfrm>
+            <a:off x="3208239" y="4345689"/>
+            <a:ext cx="1814217" cy="997020"/>
+          </a:xfrm>
+          <a:prstGeom prst="straightConnector1">
+            <a:avLst/>
+          </a:prstGeom>
+          <a:ln>
+            <a:solidFill>
+              <a:srgbClr val="C00000"/>
+            </a:solidFill>
+            <a:tailEnd type="triangle"/>
+          </a:ln>
+        </p:spPr>
+        <p:style>
+          <a:lnRef idx="1">
+            <a:schemeClr val="accent1"/>
+          </a:lnRef>
+          <a:fillRef idx="0">
+            <a:schemeClr val="accent1"/>
+          </a:fillRef>
+          <a:effectRef idx="0">
+            <a:schemeClr val="accent1"/>
+          </a:effectRef>
+          <a:fontRef idx="minor">
+            <a:schemeClr val="tx1"/>
+          </a:fontRef>
+        </p:style>
+      </p:cxnSp>
+      <p:cxnSp>
+        <p:nvCxnSpPr>
+          <p:cNvPr id="19" name="Straight Arrow Connector 18"/>
+          <p:cNvCxnSpPr>
+            <a:stCxn id="16" idx="3"/>
+          </p:cNvCxnSpPr>
+          <p:nvPr/>
+        </p:nvCxnSpPr>
+        <p:spPr>
+          <a:xfrm>
+            <a:off x="3208239" y="4345689"/>
+            <a:ext cx="1718243" cy="1480345"/>
+          </a:xfrm>
+          <a:prstGeom prst="straightConnector1">
+            <a:avLst/>
+          </a:prstGeom>
+          <a:ln>
+            <a:solidFill>
+              <a:srgbClr val="C00000"/>
+            </a:solidFill>
+            <a:tailEnd type="triangle"/>
+          </a:ln>
+        </p:spPr>
+        <p:style>
+          <a:lnRef idx="1">
+            <a:schemeClr val="accent1"/>
+          </a:lnRef>
+          <a:fillRef idx="0">
+            <a:schemeClr val="accent1"/>
+          </a:fillRef>
+          <a:effectRef idx="0">
+            <a:schemeClr val="accent1"/>
+          </a:effectRef>
+          <a:fontRef idx="minor">
+            <a:schemeClr val="tx1"/>
+          </a:fontRef>
+        </p:style>
+      </p:cxnSp>
+      <p:sp>
+        <p:nvSpPr>
+          <p:cNvPr id="26" name="TextBox 25"/>
+          <p:cNvSpPr txBox="1"/>
+          <p:nvPr/>
+        </p:nvSpPr>
+        <p:spPr>
+          <a:xfrm>
+            <a:off x="9215070" y="4561132"/>
+            <a:ext cx="2037806" cy="954107"/>
+          </a:xfrm>
+          <a:prstGeom prst="rect">
+            <a:avLst/>
+          </a:prstGeom>
+          <a:noFill/>
+          <a:ln w="19050">
+            <a:solidFill>
+              <a:srgbClr val="C00000"/>
+            </a:solidFill>
+          </a:ln>
+        </p:spPr>
+        <p:txBody>
+          <a:bodyPr wrap="square" rtlCol="0">
+            <a:spAutoFit/>
+          </a:bodyPr>
+          <a:lstStyle/>
+          <a:p>
+            <a:r>
+              <a:rPr lang="en-US" sz="1400" dirty="0" smtClean="0">
+                <a:solidFill>
+                  <a:srgbClr val="C00000"/>
+                </a:solidFill>
+              </a:rPr>
+              <a:t>When you click on each horizontal section, the content below it will expand.</a:t>
+            </a:r>
+          </a:p>
+        </p:txBody>
+      </p:sp>
+      <p:cxnSp>
+        <p:nvCxnSpPr>
+          <p:cNvPr id="29" name="Straight Arrow Connector 28"/>
+          <p:cNvCxnSpPr>
+            <a:stCxn id="26" idx="1"/>
+          </p:cNvCxnSpPr>
+          <p:nvPr/>
+        </p:nvCxnSpPr>
+        <p:spPr>
+          <a:xfrm flipH="1" flipV="1">
+            <a:off x="8138160" y="4857067"/>
+            <a:ext cx="1076910" cy="181119"/>
+          </a:xfrm>
+          <a:prstGeom prst="straightConnector1">
+            <a:avLst/>
+          </a:prstGeom>
+          <a:ln>
+            <a:solidFill>
+              <a:srgbClr val="C00000"/>
+            </a:solidFill>
+            <a:tailEnd type="triangle"/>
+          </a:ln>
+        </p:spPr>
+        <p:style>
+          <a:lnRef idx="1">
+            <a:schemeClr val="accent1"/>
+          </a:lnRef>
+          <a:fillRef idx="0">
+            <a:schemeClr val="accent1"/>
+          </a:fillRef>
+          <a:effectRef idx="0">
+            <a:schemeClr val="accent1"/>
+          </a:effectRef>
+          <a:fontRef idx="minor">
+            <a:schemeClr val="tx1"/>
+          </a:fontRef>
+        </p:style>
+      </p:cxnSp>
+    </p:spTree>
+    <p:extLst>
+      <p:ext uri="{BB962C8B-B14F-4D97-AF65-F5344CB8AC3E}">
+        <p14:creationId xmlns:p14="http://schemas.microsoft.com/office/powerpoint/2010/main" val="3388395990"/>
+      </p:ext>
+    </p:extLst>
+  </p:cSld>
+  <p:clrMapOvr>
+    <a:masterClrMapping/>
+  </p:clrMapOvr>
+</p:sld>
+</file>
+
 <file path=ppt/slides/slide2.xml><?xml version="1.0" encoding="utf-8"?>
 <p:sld xmlns:a="http://schemas.openxmlformats.org/drawingml/2006/main" xmlns:r="http://schemas.openxmlformats.org/officeDocument/2006/relationships" xmlns:p="http://schemas.openxmlformats.org/presentationml/2006/main">
   <p:cSld>
@@ -2948,7 +5120,7 @@
         </p:blipFill>
         <p:spPr>
           <a:xfrm>
-            <a:off x="856569" y="1787571"/>
+            <a:off x="1098995" y="1644546"/>
             <a:ext cx="10349797" cy="4587104"/>
           </a:xfrm>
           <a:prstGeom prst="rect">
@@ -2959,7 +5131,7 @@
     </p:spTree>
     <p:extLst>
       <p:ext uri="{BB962C8B-B14F-4D97-AF65-F5344CB8AC3E}">
-        <p14:creationId xmlns:p14="http://schemas.microsoft.com/office/powerpoint/2010/main" val="2439572005"/>
+        <p14:creationId xmlns:p14="http://schemas.microsoft.com/office/powerpoint/2010/main" val="3905746257"/>
       </p:ext>
     </p:extLst>
   </p:cSld>
@@ -3032,7 +5204,7 @@
         </p:blipFill>
         <p:spPr>
           <a:xfrm>
-            <a:off x="856569" y="1787571"/>
+            <a:off x="1098995" y="1644546"/>
             <a:ext cx="10349797" cy="4587104"/>
           </a:xfrm>
           <a:prstGeom prst="rect">
@@ -3048,7 +5220,7 @@
         </p:nvSpPr>
         <p:spPr>
           <a:xfrm>
-            <a:off x="4722010" y="1311401"/>
+            <a:off x="5871542" y="1310797"/>
             <a:ext cx="2227430" cy="307777"/>
           </a:xfrm>
           <a:prstGeom prst="rect">
@@ -3091,7 +5263,7 @@
         </p:nvSpPr>
         <p:spPr>
           <a:xfrm>
-            <a:off x="2913017" y="1907177"/>
+            <a:off x="3095897" y="1748741"/>
             <a:ext cx="8085909" cy="535577"/>
           </a:xfrm>
           <a:prstGeom prst="rect">
@@ -3129,21 +5301,109 @@
           </a:p>
         </p:txBody>
       </p:sp>
+      <p:sp>
+        <p:nvSpPr>
+          <p:cNvPr id="8" name="TextBox 7"/>
+          <p:cNvSpPr txBox="1"/>
+          <p:nvPr/>
+        </p:nvSpPr>
+        <p:spPr>
+          <a:xfrm>
+            <a:off x="1528354" y="1173578"/>
+            <a:ext cx="1384663" cy="523220"/>
+          </a:xfrm>
+          <a:prstGeom prst="rect">
+            <a:avLst/>
+          </a:prstGeom>
+          <a:noFill/>
+          <a:ln w="19050">
+            <a:solidFill>
+              <a:srgbClr val="C00000"/>
+            </a:solidFill>
+          </a:ln>
+        </p:spPr>
+        <p:txBody>
+          <a:bodyPr wrap="square" rtlCol="0">
+            <a:spAutoFit/>
+          </a:bodyPr>
+          <a:lstStyle/>
+          <a:p>
+            <a:r>
+              <a:rPr lang="en-US" sz="1400" dirty="0" smtClean="0">
+                <a:solidFill>
+                  <a:srgbClr val="C00000"/>
+                </a:solidFill>
+              </a:rPr>
+              <a:t>Homepage Hero Banner</a:t>
+            </a:r>
+            <a:endParaRPr lang="en-US" sz="1400" dirty="0">
+              <a:solidFill>
+                <a:srgbClr val="C00000"/>
+              </a:solidFill>
+            </a:endParaRPr>
+          </a:p>
+        </p:txBody>
+      </p:sp>
+      <p:sp>
+        <p:nvSpPr>
+          <p:cNvPr id="10" name="TextBox 9"/>
+          <p:cNvSpPr txBox="1"/>
+          <p:nvPr/>
+        </p:nvSpPr>
+        <p:spPr>
+          <a:xfrm>
+            <a:off x="249881" y="1905804"/>
+            <a:ext cx="1278473" cy="307777"/>
+          </a:xfrm>
+          <a:prstGeom prst="rect">
+            <a:avLst/>
+          </a:prstGeom>
+          <a:noFill/>
+          <a:ln w="19050">
+            <a:solidFill>
+              <a:srgbClr val="C00000"/>
+            </a:solidFill>
+          </a:ln>
+        </p:spPr>
+        <p:txBody>
+          <a:bodyPr wrap="square" rtlCol="0">
+            <a:spAutoFit/>
+          </a:bodyPr>
+          <a:lstStyle/>
+          <a:p>
+            <a:r>
+              <a:rPr lang="en-US" sz="1400" dirty="0" smtClean="0">
+                <a:solidFill>
+                  <a:srgbClr val="C00000"/>
+                </a:solidFill>
+              </a:rPr>
+              <a:t>Key Highlights</a:t>
+            </a:r>
+            <a:endParaRPr lang="en-US" sz="1400" dirty="0">
+              <a:solidFill>
+                <a:srgbClr val="C00000"/>
+              </a:solidFill>
+            </a:endParaRPr>
+          </a:p>
+        </p:txBody>
+      </p:sp>
       <p:cxnSp>
         <p:nvCxnSpPr>
-          <p:cNvPr id="7" name="Straight Arrow Connector 6"/>
-          <p:cNvCxnSpPr/>
+          <p:cNvPr id="15" name="Straight Arrow Connector 14"/>
+          <p:cNvCxnSpPr>
+            <a:stCxn id="8" idx="2"/>
+          </p:cNvCxnSpPr>
           <p:nvPr/>
         </p:nvCxnSpPr>
         <p:spPr>
           <a:xfrm>
-            <a:off x="5587531" y="1619178"/>
-            <a:ext cx="3372" cy="287999"/>
+            <a:off x="2220686" y="1696798"/>
+            <a:ext cx="875211" cy="1673419"/>
           </a:xfrm>
           <a:prstGeom prst="straightConnector1">
             <a:avLst/>
           </a:prstGeom>
-          <a:ln w="19050">
+          <a:ln>
             <a:solidFill>
               <a:srgbClr val="C00000"/>
             </a:solidFill>
@@ -3152,77 +5412,74 @@
         </p:spPr>
         <p:style>
           <a:lnRef idx="1">
-            <a:schemeClr val="accent1"/>
+            <a:schemeClr val="accent2"/>
           </a:lnRef>
           <a:fillRef idx="0">
-            <a:schemeClr val="accent1"/>
+            <a:schemeClr val="accent2"/>
           </a:fillRef>
           <a:effectRef idx="0">
-            <a:schemeClr val="accent1"/>
+            <a:schemeClr val="accent2"/>
           </a:effectRef>
           <a:fontRef idx="minor">
             <a:schemeClr val="tx1"/>
           </a:fontRef>
         </p:style>
       </p:cxnSp>
-      <p:sp>
-        <p:nvSpPr>
-          <p:cNvPr id="8" name="TextBox 7"/>
-          <p:cNvSpPr txBox="1"/>
-          <p:nvPr/>
-        </p:nvSpPr>
-        <p:spPr>
-          <a:xfrm>
-            <a:off x="400474" y="1357568"/>
-            <a:ext cx="1384663" cy="523220"/>
-          </a:xfrm>
-          <a:prstGeom prst="rect">
-            <a:avLst/>
-          </a:prstGeom>
-          <a:noFill/>
-          <a:ln w="19050">
+      <p:cxnSp>
+        <p:nvCxnSpPr>
+          <p:cNvPr id="26" name="Straight Arrow Connector 25"/>
+          <p:cNvCxnSpPr>
+            <a:stCxn id="5" idx="2"/>
+          </p:cNvCxnSpPr>
+          <p:nvPr/>
+        </p:nvCxnSpPr>
+        <p:spPr>
+          <a:xfrm>
+            <a:off x="6985257" y="1618574"/>
+            <a:ext cx="0" cy="129563"/>
+          </a:xfrm>
+          <a:prstGeom prst="straightConnector1">
+            <a:avLst/>
+          </a:prstGeom>
+          <a:ln>
             <a:solidFill>
               <a:srgbClr val="C00000"/>
             </a:solidFill>
+            <a:tailEnd type="triangle"/>
           </a:ln>
         </p:spPr>
-        <p:txBody>
-          <a:bodyPr wrap="square" rtlCol="0">
-            <a:spAutoFit/>
-          </a:bodyPr>
-          <a:lstStyle/>
-          <a:p>
-            <a:r>
-              <a:rPr lang="en-US" sz="1400" dirty="0" smtClean="0">
-                <a:solidFill>
-                  <a:srgbClr val="C00000"/>
-                </a:solidFill>
-              </a:rPr>
-              <a:t>Homepage Hero Banner</a:t>
-            </a:r>
-            <a:endParaRPr lang="en-US" sz="1400" dirty="0">
-              <a:solidFill>
-                <a:srgbClr val="C00000"/>
-              </a:solidFill>
-            </a:endParaRPr>
-          </a:p>
-        </p:txBody>
-      </p:sp>
+        <p:style>
+          <a:lnRef idx="1">
+            <a:schemeClr val="accent1"/>
+          </a:lnRef>
+          <a:fillRef idx="0">
+            <a:schemeClr val="accent1"/>
+          </a:fillRef>
+          <a:effectRef idx="0">
+            <a:schemeClr val="accent1"/>
+          </a:effectRef>
+          <a:fontRef idx="minor">
+            <a:schemeClr val="tx1"/>
+          </a:fontRef>
+        </p:style>
+      </p:cxnSp>
       <p:cxnSp>
         <p:nvCxnSpPr>
-          <p:cNvPr id="9" name="Straight Arrow Connector 8"/>
-          <p:cNvCxnSpPr/>
+          <p:cNvPr id="30" name="Straight Arrow Connector 29"/>
+          <p:cNvCxnSpPr>
+            <a:stCxn id="10" idx="2"/>
+          </p:cNvCxnSpPr>
           <p:nvPr/>
         </p:nvCxnSpPr>
         <p:spPr>
           <a:xfrm>
-            <a:off x="1123406" y="1907177"/>
-            <a:ext cx="1320822" cy="1998617"/>
+            <a:off x="889118" y="2213581"/>
+            <a:ext cx="881702" cy="3534076"/>
           </a:xfrm>
           <a:prstGeom prst="straightConnector1">
             <a:avLst/>
           </a:prstGeom>
-          <a:ln w="19050">
+          <a:ln>
             <a:solidFill>
               <a:srgbClr val="C00000"/>
             </a:solidFill>
@@ -3247,7 +5504,7 @@
     </p:spTree>
     <p:extLst>
       <p:ext uri="{BB962C8B-B14F-4D97-AF65-F5344CB8AC3E}">
-        <p14:creationId xmlns:p14="http://schemas.microsoft.com/office/powerpoint/2010/main" val="3905746257"/>
+        <p14:creationId xmlns:p14="http://schemas.microsoft.com/office/powerpoint/2010/main" val="2389342857"/>
       </p:ext>
     </p:extLst>
   </p:cSld>
@@ -3681,8 +5938,8 @@
         </p:nvSpPr>
         <p:spPr>
           <a:xfrm>
-            <a:off x="444138" y="4162693"/>
-            <a:ext cx="1806620" cy="1815882"/>
+            <a:off x="352697" y="4388709"/>
+            <a:ext cx="1872280" cy="1815882"/>
           </a:xfrm>
           <a:prstGeom prst="rect">
             <a:avLst/>
@@ -3706,7 +5963,7 @@
                   <a:srgbClr val="C00000"/>
                 </a:solidFill>
               </a:rPr>
-              <a:t>Each main navigation link also contains a markdown (.md) file that contains information about the layout, title and url (e.g. about.md, accredited-org.md)</a:t>
+              <a:t>Each main navigation link (except newsroom) also contains a markdown (.md) file that lists information about the layout, title and url (e.g. about.md, accredited-org.md)</a:t>
             </a:r>
             <a:endParaRPr lang="en-US" sz="1400" dirty="0">
               <a:solidFill>
@@ -3742,19 +5999,21 @@
       </p:pic>
       <p:cxnSp>
         <p:nvCxnSpPr>
-          <p:cNvPr id="8" name="Straight Arrow Connector 7"/>
-          <p:cNvCxnSpPr/>
+          <p:cNvPr id="5" name="Straight Arrow Connector 4"/>
+          <p:cNvCxnSpPr>
+            <a:stCxn id="6" idx="3"/>
+          </p:cNvCxnSpPr>
           <p:nvPr/>
         </p:nvCxnSpPr>
         <p:spPr>
           <a:xfrm flipV="1">
-            <a:off x="2250758" y="1489718"/>
-            <a:ext cx="727573" cy="388361"/>
+            <a:off x="2250758" y="1515747"/>
+            <a:ext cx="662986" cy="1236731"/>
           </a:xfrm>
           <a:prstGeom prst="straightConnector1">
             <a:avLst/>
           </a:prstGeom>
-          <a:ln w="19050">
+          <a:ln>
             <a:solidFill>
               <a:srgbClr val="C00000"/>
             </a:solidFill>
@@ -3778,19 +6037,21 @@
       </p:cxnSp>
       <p:cxnSp>
         <p:nvCxnSpPr>
-          <p:cNvPr id="11" name="Straight Arrow Connector 10"/>
-          <p:cNvCxnSpPr/>
+          <p:cNvPr id="17" name="Straight Arrow Connector 16"/>
+          <p:cNvCxnSpPr>
+            <a:stCxn id="6" idx="3"/>
+          </p:cNvCxnSpPr>
           <p:nvPr/>
         </p:nvCxnSpPr>
         <p:spPr>
           <a:xfrm flipV="1">
-            <a:off x="2250757" y="1776549"/>
-            <a:ext cx="636134" cy="134352"/>
+            <a:off x="2250758" y="1752121"/>
+            <a:ext cx="707134" cy="1000357"/>
           </a:xfrm>
           <a:prstGeom prst="straightConnector1">
             <a:avLst/>
           </a:prstGeom>
-          <a:ln w="19050">
+          <a:ln>
             <a:solidFill>
               <a:srgbClr val="C00000"/>
             </a:solidFill>
@@ -3814,19 +6075,21 @@
       </p:cxnSp>
       <p:cxnSp>
         <p:nvCxnSpPr>
-          <p:cNvPr id="12" name="Straight Arrow Connector 11"/>
-          <p:cNvCxnSpPr/>
+          <p:cNvPr id="25" name="Straight Arrow Connector 24"/>
+          <p:cNvCxnSpPr>
+            <a:stCxn id="6" idx="3"/>
+          </p:cNvCxnSpPr>
           <p:nvPr/>
         </p:nvCxnSpPr>
         <p:spPr>
           <a:xfrm>
-            <a:off x="2230318" y="1940060"/>
-            <a:ext cx="602783" cy="440534"/>
+            <a:off x="2250758" y="2752478"/>
+            <a:ext cx="707134" cy="50457"/>
           </a:xfrm>
           <a:prstGeom prst="straightConnector1">
             <a:avLst/>
           </a:prstGeom>
-          <a:ln w="19050">
+          <a:ln>
             <a:solidFill>
               <a:srgbClr val="C00000"/>
             </a:solidFill>
@@ -3850,19 +6113,21 @@
       </p:cxnSp>
       <p:cxnSp>
         <p:nvCxnSpPr>
-          <p:cNvPr id="14" name="Straight Arrow Connector 13"/>
-          <p:cNvCxnSpPr/>
+          <p:cNvPr id="32" name="Straight Arrow Connector 31"/>
+          <p:cNvCxnSpPr>
+            <a:stCxn id="6" idx="3"/>
+          </p:cNvCxnSpPr>
           <p:nvPr/>
         </p:nvCxnSpPr>
         <p:spPr>
           <a:xfrm>
-            <a:off x="2230318" y="1894589"/>
-            <a:ext cx="727574" cy="946141"/>
+            <a:off x="2250758" y="2752478"/>
+            <a:ext cx="662986" cy="1098232"/>
           </a:xfrm>
           <a:prstGeom prst="straightConnector1">
             <a:avLst/>
           </a:prstGeom>
-          <a:ln w="19050">
+          <a:ln>
             <a:solidFill>
               <a:srgbClr val="C00000"/>
             </a:solidFill>
@@ -3886,19 +6151,21 @@
       </p:cxnSp>
       <p:cxnSp>
         <p:nvCxnSpPr>
-          <p:cNvPr id="16" name="Straight Arrow Connector 15"/>
-          <p:cNvCxnSpPr/>
+          <p:cNvPr id="37" name="Straight Arrow Connector 36"/>
+          <p:cNvCxnSpPr>
+            <a:stCxn id="6" idx="3"/>
+          </p:cNvCxnSpPr>
           <p:nvPr/>
         </p:nvCxnSpPr>
         <p:spPr>
           <a:xfrm>
-            <a:off x="2284721" y="2008768"/>
-            <a:ext cx="673171" cy="1832065"/>
+            <a:off x="2250758" y="2752478"/>
+            <a:ext cx="707134" cy="286831"/>
           </a:xfrm>
           <a:prstGeom prst="straightConnector1">
             <a:avLst/>
           </a:prstGeom>
-          <a:ln w="19050">
+          <a:ln>
             <a:solidFill>
               <a:srgbClr val="C00000"/>
             </a:solidFill>
@@ -3922,19 +6189,21 @@
       </p:cxnSp>
       <p:cxnSp>
         <p:nvCxnSpPr>
-          <p:cNvPr id="23" name="Straight Arrow Connector 22"/>
-          <p:cNvCxnSpPr/>
+          <p:cNvPr id="41" name="Straight Arrow Connector 40"/>
+          <p:cNvCxnSpPr>
+            <a:stCxn id="6" idx="3"/>
+          </p:cNvCxnSpPr>
           <p:nvPr/>
         </p:nvCxnSpPr>
         <p:spPr>
-          <a:xfrm>
-            <a:off x="2250757" y="1955396"/>
-            <a:ext cx="707135" cy="1049137"/>
+          <a:xfrm flipV="1">
+            <a:off x="2250758" y="2356791"/>
+            <a:ext cx="662986" cy="395687"/>
           </a:xfrm>
           <a:prstGeom prst="straightConnector1">
             <a:avLst/>
           </a:prstGeom>
-          <a:ln w="19050">
+          <a:ln>
             <a:solidFill>
               <a:srgbClr val="C00000"/>
             </a:solidFill>
@@ -3958,19 +6227,21 @@
       </p:cxnSp>
       <p:cxnSp>
         <p:nvCxnSpPr>
-          <p:cNvPr id="10" name="Straight Arrow Connector 9"/>
-          <p:cNvCxnSpPr/>
+          <p:cNvPr id="45" name="Straight Arrow Connector 44"/>
+          <p:cNvCxnSpPr>
+            <a:stCxn id="9" idx="3"/>
+          </p:cNvCxnSpPr>
           <p:nvPr/>
         </p:nvCxnSpPr>
         <p:spPr>
           <a:xfrm>
-            <a:off x="2230318" y="4665348"/>
-            <a:ext cx="727574" cy="618711"/>
+            <a:off x="2224977" y="5296650"/>
+            <a:ext cx="732915" cy="2"/>
           </a:xfrm>
           <a:prstGeom prst="straightConnector1">
             <a:avLst/>
           </a:prstGeom>
-          <a:ln w="19050">
+          <a:ln>
             <a:solidFill>
               <a:srgbClr val="C00000"/>
             </a:solidFill>
@@ -3994,19 +6265,21 @@
       </p:cxnSp>
       <p:cxnSp>
         <p:nvCxnSpPr>
-          <p:cNvPr id="27" name="Straight Arrow Connector 26"/>
-          <p:cNvCxnSpPr/>
+          <p:cNvPr id="49" name="Straight Arrow Connector 48"/>
+          <p:cNvCxnSpPr>
+            <a:stCxn id="9" idx="3"/>
+          </p:cNvCxnSpPr>
           <p:nvPr/>
         </p:nvCxnSpPr>
         <p:spPr>
           <a:xfrm>
-            <a:off x="2276882" y="4687950"/>
-            <a:ext cx="681010" cy="892702"/>
+            <a:off x="2224977" y="5296650"/>
+            <a:ext cx="732915" cy="202814"/>
           </a:xfrm>
           <a:prstGeom prst="straightConnector1">
             <a:avLst/>
           </a:prstGeom>
-          <a:ln w="19050">
+          <a:ln>
             <a:solidFill>
               <a:srgbClr val="C00000"/>
             </a:solidFill>
@@ -4030,19 +6303,21 @@
       </p:cxnSp>
       <p:cxnSp>
         <p:nvCxnSpPr>
-          <p:cNvPr id="29" name="Straight Arrow Connector 28"/>
-          <p:cNvCxnSpPr/>
+          <p:cNvPr id="53" name="Straight Arrow Connector 52"/>
+          <p:cNvCxnSpPr>
+            <a:stCxn id="9" idx="3"/>
+          </p:cNvCxnSpPr>
           <p:nvPr/>
         </p:nvCxnSpPr>
         <p:spPr>
           <a:xfrm>
-            <a:off x="2274039" y="4687950"/>
-            <a:ext cx="683853" cy="1516641"/>
+            <a:off x="2224977" y="5296650"/>
+            <a:ext cx="732915" cy="836553"/>
           </a:xfrm>
           <a:prstGeom prst="straightConnector1">
             <a:avLst/>
           </a:prstGeom>
-          <a:ln w="19050">
+          <a:ln>
             <a:solidFill>
               <a:srgbClr val="C00000"/>
             </a:solidFill>
@@ -4066,19 +6341,21 @@
       </p:cxnSp>
       <p:cxnSp>
         <p:nvCxnSpPr>
-          <p:cNvPr id="31" name="Straight Arrow Connector 30"/>
-          <p:cNvCxnSpPr/>
+          <p:cNvPr id="57" name="Straight Arrow Connector 56"/>
+          <p:cNvCxnSpPr>
+            <a:stCxn id="9" idx="3"/>
+          </p:cNvCxnSpPr>
           <p:nvPr/>
         </p:nvCxnSpPr>
         <p:spPr>
           <a:xfrm>
-            <a:off x="2284721" y="4738407"/>
-            <a:ext cx="629023" cy="1646491"/>
+            <a:off x="2224977" y="5296650"/>
+            <a:ext cx="688767" cy="1051899"/>
           </a:xfrm>
           <a:prstGeom prst="straightConnector1">
             <a:avLst/>
           </a:prstGeom>
-          <a:ln w="19050">
+          <a:ln>
             <a:solidFill>
               <a:srgbClr val="C00000"/>
             </a:solidFill>
@@ -4102,19 +6379,21 @@
       </p:cxnSp>
       <p:cxnSp>
         <p:nvCxnSpPr>
-          <p:cNvPr id="33" name="Straight Arrow Connector 32"/>
-          <p:cNvCxnSpPr/>
+          <p:cNvPr id="61" name="Straight Arrow Connector 60"/>
+          <p:cNvCxnSpPr>
+            <a:stCxn id="9" idx="3"/>
+          </p:cNvCxnSpPr>
           <p:nvPr/>
         </p:nvCxnSpPr>
         <p:spPr>
           <a:xfrm>
-            <a:off x="2306794" y="4721789"/>
-            <a:ext cx="606950" cy="1906313"/>
+            <a:off x="2224977" y="5296650"/>
+            <a:ext cx="688767" cy="1300093"/>
           </a:xfrm>
           <a:prstGeom prst="straightConnector1">
             <a:avLst/>
           </a:prstGeom>
-          <a:ln w="19050">
+          <a:ln>
             <a:solidFill>
               <a:srgbClr val="C00000"/>
             </a:solidFill>
@@ -4153,6 +6432,773 @@
       </p:par>
     </p:tnLst>
   </p:timing>
+</p:sld>
+</file>
+
+<file path=ppt/slides/slide7.xml><?xml version="1.0" encoding="utf-8"?>
+<p:sld xmlns:a="http://schemas.openxmlformats.org/drawingml/2006/main" xmlns:r="http://schemas.openxmlformats.org/officeDocument/2006/relationships" xmlns:p="http://schemas.openxmlformats.org/presentationml/2006/main">
+  <p:cSld>
+    <p:spTree>
+      <p:nvGrpSpPr>
+        <p:cNvPr id="1" name=""/>
+        <p:cNvGrpSpPr/>
+        <p:nvPr/>
+      </p:nvGrpSpPr>
+      <p:grpSpPr>
+        <a:xfrm>
+          <a:off x="0" y="0"/>
+          <a:ext cx="0" cy="0"/>
+          <a:chOff x="0" y="0"/>
+          <a:chExt cx="0" cy="0"/>
+        </a:xfrm>
+      </p:grpSpPr>
+      <p:sp>
+        <p:nvSpPr>
+          <p:cNvPr id="4" name="Title 3"/>
+          <p:cNvSpPr>
+            <a:spLocks noGrp="1"/>
+          </p:cNvSpPr>
+          <p:nvPr>
+            <p:ph type="title"/>
+          </p:nvPr>
+        </p:nvSpPr>
+        <p:spPr/>
+        <p:txBody>
+          <a:bodyPr/>
+          <a:lstStyle/>
+          <a:p>
+            <a:r>
+              <a:rPr lang="en-US" dirty="0" smtClean="0"/>
+              <a:t>Github Repository</a:t>
+            </a:r>
+            <a:endParaRPr lang="en-US" dirty="0"/>
+          </a:p>
+        </p:txBody>
+      </p:sp>
+      <p:sp>
+        <p:nvSpPr>
+          <p:cNvPr id="6" name="TextBox 5"/>
+          <p:cNvSpPr txBox="1"/>
+          <p:nvPr/>
+        </p:nvSpPr>
+        <p:spPr>
+          <a:xfrm>
+            <a:off x="866095" y="1629093"/>
+            <a:ext cx="1384663" cy="1384995"/>
+          </a:xfrm>
+          <a:prstGeom prst="rect">
+            <a:avLst/>
+          </a:prstGeom>
+          <a:noFill/>
+          <a:ln w="19050">
+            <a:solidFill>
+              <a:srgbClr val="C00000"/>
+            </a:solidFill>
+          </a:ln>
+        </p:spPr>
+        <p:txBody>
+          <a:bodyPr wrap="square" rtlCol="0">
+            <a:spAutoFit/>
+          </a:bodyPr>
+          <a:lstStyle/>
+          <a:p>
+            <a:r>
+              <a:rPr lang="en-US" sz="1400" dirty="0" smtClean="0">
+                <a:solidFill>
+                  <a:srgbClr val="C00000"/>
+                </a:solidFill>
+              </a:rPr>
+              <a:t>Documents for the website such as .pdf or .doc files are uploaded into the ‘files’ folder</a:t>
+            </a:r>
+            <a:endParaRPr lang="en-US" sz="1400" dirty="0">
+              <a:solidFill>
+                <a:srgbClr val="C00000"/>
+              </a:solidFill>
+            </a:endParaRPr>
+          </a:p>
+        </p:txBody>
+      </p:sp>
+      <p:sp>
+        <p:nvSpPr>
+          <p:cNvPr id="9" name="TextBox 8"/>
+          <p:cNvSpPr txBox="1"/>
+          <p:nvPr/>
+        </p:nvSpPr>
+        <p:spPr>
+          <a:xfrm>
+            <a:off x="9503143" y="2945054"/>
+            <a:ext cx="2057485" cy="2308324"/>
+          </a:xfrm>
+          <a:prstGeom prst="rect">
+            <a:avLst/>
+          </a:prstGeom>
+          <a:noFill/>
+          <a:ln w="19050">
+            <a:noFill/>
+          </a:ln>
+        </p:spPr>
+        <p:txBody>
+          <a:bodyPr wrap="square" rtlCol="0">
+            <a:spAutoFit/>
+          </a:bodyPr>
+          <a:lstStyle/>
+          <a:p>
+            <a:r>
+              <a:rPr lang="en-US" dirty="0" smtClean="0">
+                <a:solidFill>
+                  <a:srgbClr val="C00000"/>
+                </a:solidFill>
+              </a:rPr>
+              <a:t>NOTE: when uploading documents, images etc, always replace the spaces in the filename with dash(-) or underscore(_).</a:t>
+            </a:r>
+            <a:endParaRPr lang="en-US" dirty="0">
+              <a:solidFill>
+                <a:srgbClr val="C00000"/>
+              </a:solidFill>
+            </a:endParaRPr>
+          </a:p>
+        </p:txBody>
+      </p:sp>
+      <p:pic>
+        <p:nvPicPr>
+          <p:cNvPr id="2" name="Picture 1"/>
+          <p:cNvPicPr>
+            <a:picLocks noChangeAspect="1"/>
+          </p:cNvPicPr>
+          <p:nvPr/>
+        </p:nvPicPr>
+        <p:blipFill>
+          <a:blip r:embed="rId2"/>
+          <a:stretch>
+            <a:fillRect/>
+          </a:stretch>
+        </p:blipFill>
+        <p:spPr>
+          <a:xfrm>
+            <a:off x="2747146" y="1454477"/>
+            <a:ext cx="6410325" cy="5257800"/>
+          </a:xfrm>
+          <a:prstGeom prst="rect">
+            <a:avLst/>
+          </a:prstGeom>
+        </p:spPr>
+      </p:pic>
+      <p:cxnSp>
+        <p:nvCxnSpPr>
+          <p:cNvPr id="5" name="Straight Arrow Connector 4"/>
+          <p:cNvCxnSpPr>
+            <a:stCxn id="6" idx="3"/>
+          </p:cNvCxnSpPr>
+          <p:nvPr/>
+        </p:nvCxnSpPr>
+        <p:spPr>
+          <a:xfrm>
+            <a:off x="2250758" y="2321591"/>
+            <a:ext cx="707134" cy="904935"/>
+          </a:xfrm>
+          <a:prstGeom prst="straightConnector1">
+            <a:avLst/>
+          </a:prstGeom>
+          <a:ln>
+            <a:solidFill>
+              <a:srgbClr val="C00000"/>
+            </a:solidFill>
+            <a:tailEnd type="triangle"/>
+          </a:ln>
+        </p:spPr>
+        <p:style>
+          <a:lnRef idx="1">
+            <a:schemeClr val="accent1"/>
+          </a:lnRef>
+          <a:fillRef idx="0">
+            <a:schemeClr val="accent1"/>
+          </a:fillRef>
+          <a:effectRef idx="0">
+            <a:schemeClr val="accent1"/>
+          </a:effectRef>
+          <a:fontRef idx="minor">
+            <a:schemeClr val="tx1"/>
+          </a:fontRef>
+        </p:style>
+      </p:cxnSp>
+      <p:sp>
+        <p:nvSpPr>
+          <p:cNvPr id="18" name="TextBox 17"/>
+          <p:cNvSpPr txBox="1"/>
+          <p:nvPr/>
+        </p:nvSpPr>
+        <p:spPr>
+          <a:xfrm>
+            <a:off x="598559" y="3706586"/>
+            <a:ext cx="1384663" cy="1384995"/>
+          </a:xfrm>
+          <a:prstGeom prst="rect">
+            <a:avLst/>
+          </a:prstGeom>
+          <a:noFill/>
+          <a:ln w="19050">
+            <a:solidFill>
+              <a:srgbClr val="C00000"/>
+            </a:solidFill>
+          </a:ln>
+        </p:spPr>
+        <p:txBody>
+          <a:bodyPr wrap="square" rtlCol="0">
+            <a:spAutoFit/>
+          </a:bodyPr>
+          <a:lstStyle/>
+          <a:p>
+            <a:r>
+              <a:rPr lang="en-US" sz="1400" dirty="0" smtClean="0">
+                <a:solidFill>
+                  <a:srgbClr val="C00000"/>
+                </a:solidFill>
+              </a:rPr>
+              <a:t>Images for the website such as .png, .jpg, .gif are uploaded into the ‘images’ folder</a:t>
+            </a:r>
+            <a:endParaRPr lang="en-US" sz="1400" dirty="0">
+              <a:solidFill>
+                <a:srgbClr val="C00000"/>
+              </a:solidFill>
+            </a:endParaRPr>
+          </a:p>
+        </p:txBody>
+      </p:sp>
+      <p:cxnSp>
+        <p:nvCxnSpPr>
+          <p:cNvPr id="19" name="Straight Arrow Connector 18"/>
+          <p:cNvCxnSpPr>
+            <a:stCxn id="18" idx="3"/>
+          </p:cNvCxnSpPr>
+          <p:nvPr/>
+        </p:nvCxnSpPr>
+        <p:spPr>
+          <a:xfrm flipV="1">
+            <a:off x="1983222" y="3448594"/>
+            <a:ext cx="974670" cy="950490"/>
+          </a:xfrm>
+          <a:prstGeom prst="straightConnector1">
+            <a:avLst/>
+          </a:prstGeom>
+          <a:ln>
+            <a:solidFill>
+              <a:srgbClr val="C00000"/>
+            </a:solidFill>
+            <a:tailEnd type="triangle"/>
+          </a:ln>
+        </p:spPr>
+        <p:style>
+          <a:lnRef idx="1">
+            <a:schemeClr val="accent1"/>
+          </a:lnRef>
+          <a:fillRef idx="0">
+            <a:schemeClr val="accent1"/>
+          </a:fillRef>
+          <a:effectRef idx="0">
+            <a:schemeClr val="accent1"/>
+          </a:effectRef>
+          <a:fontRef idx="minor">
+            <a:schemeClr val="tx1"/>
+          </a:fontRef>
+        </p:style>
+      </p:cxnSp>
+    </p:spTree>
+    <p:extLst>
+      <p:ext uri="{BB962C8B-B14F-4D97-AF65-F5344CB8AC3E}">
+        <p14:creationId xmlns:p14="http://schemas.microsoft.com/office/powerpoint/2010/main" val="2266031189"/>
+      </p:ext>
+    </p:extLst>
+  </p:cSld>
+  <p:clrMapOvr>
+    <a:masterClrMapping/>
+  </p:clrMapOvr>
+  <p:timing>
+    <p:tnLst>
+      <p:par>
+        <p:cTn id="1" dur="indefinite" restart="never" nodeType="tmRoot"/>
+      </p:par>
+    </p:tnLst>
+  </p:timing>
+</p:sld>
+</file>
+
+<file path=ppt/slides/slide8.xml><?xml version="1.0" encoding="utf-8"?>
+<p:sld xmlns:a="http://schemas.openxmlformats.org/drawingml/2006/main" xmlns:r="http://schemas.openxmlformats.org/officeDocument/2006/relationships" xmlns:p="http://schemas.openxmlformats.org/presentationml/2006/main">
+  <p:cSld>
+    <p:spTree>
+      <p:nvGrpSpPr>
+        <p:cNvPr id="1" name=""/>
+        <p:cNvGrpSpPr/>
+        <p:nvPr/>
+      </p:nvGrpSpPr>
+      <p:grpSpPr>
+        <a:xfrm>
+          <a:off x="0" y="0"/>
+          <a:ext cx="0" cy="0"/>
+          <a:chOff x="0" y="0"/>
+          <a:chExt cx="0" cy="0"/>
+        </a:xfrm>
+      </p:grpSpPr>
+      <p:sp>
+        <p:nvSpPr>
+          <p:cNvPr id="4" name="Title 3"/>
+          <p:cNvSpPr>
+            <a:spLocks noGrp="1"/>
+          </p:cNvSpPr>
+          <p:nvPr>
+            <p:ph type="title"/>
+          </p:nvPr>
+        </p:nvSpPr>
+        <p:spPr/>
+        <p:txBody>
+          <a:bodyPr/>
+          <a:lstStyle/>
+          <a:p>
+            <a:r>
+              <a:rPr lang="en-US" dirty="0" smtClean="0"/>
+              <a:t>Example: _about folder</a:t>
+            </a:r>
+            <a:endParaRPr lang="en-US" dirty="0"/>
+          </a:p>
+        </p:txBody>
+      </p:sp>
+      <p:pic>
+        <p:nvPicPr>
+          <p:cNvPr id="5" name="Picture 4"/>
+          <p:cNvPicPr>
+            <a:picLocks noChangeAspect="1"/>
+          </p:cNvPicPr>
+          <p:nvPr/>
+        </p:nvPicPr>
+        <p:blipFill>
+          <a:blip r:embed="rId2"/>
+          <a:stretch>
+            <a:fillRect/>
+          </a:stretch>
+        </p:blipFill>
+        <p:spPr>
+          <a:xfrm>
+            <a:off x="2089783" y="1212534"/>
+            <a:ext cx="9235712" cy="5637974"/>
+          </a:xfrm>
+          <a:prstGeom prst="rect">
+            <a:avLst/>
+          </a:prstGeom>
+        </p:spPr>
+      </p:pic>
+      <p:sp>
+        <p:nvSpPr>
+          <p:cNvPr id="10" name="TextBox 9"/>
+          <p:cNvSpPr txBox="1"/>
+          <p:nvPr/>
+        </p:nvSpPr>
+        <p:spPr>
+          <a:xfrm>
+            <a:off x="365547" y="3053099"/>
+            <a:ext cx="1606944" cy="1169551"/>
+          </a:xfrm>
+          <a:prstGeom prst="rect">
+            <a:avLst/>
+          </a:prstGeom>
+          <a:noFill/>
+          <a:ln w="19050">
+            <a:noFill/>
+          </a:ln>
+        </p:spPr>
+        <p:txBody>
+          <a:bodyPr wrap="square" rtlCol="0">
+            <a:spAutoFit/>
+          </a:bodyPr>
+          <a:lstStyle/>
+          <a:p>
+            <a:r>
+              <a:rPr lang="en-US" sz="1400" dirty="0" smtClean="0">
+                <a:solidFill>
+                  <a:srgbClr val="C00000"/>
+                </a:solidFill>
+              </a:rPr>
+              <a:t>Clicking on the folders in the repository will bring you inside the folder directory</a:t>
+            </a:r>
+            <a:endParaRPr lang="en-US" sz="1400" dirty="0">
+              <a:solidFill>
+                <a:srgbClr val="C00000"/>
+              </a:solidFill>
+            </a:endParaRPr>
+          </a:p>
+        </p:txBody>
+      </p:sp>
+    </p:spTree>
+    <p:extLst>
+      <p:ext uri="{BB962C8B-B14F-4D97-AF65-F5344CB8AC3E}">
+        <p14:creationId xmlns:p14="http://schemas.microsoft.com/office/powerpoint/2010/main" val="3671286219"/>
+      </p:ext>
+    </p:extLst>
+  </p:cSld>
+  <p:clrMapOvr>
+    <a:masterClrMapping/>
+  </p:clrMapOvr>
+</p:sld>
+</file>
+
+<file path=ppt/slides/slide9.xml><?xml version="1.0" encoding="utf-8"?>
+<p:sld xmlns:a="http://schemas.openxmlformats.org/drawingml/2006/main" xmlns:r="http://schemas.openxmlformats.org/officeDocument/2006/relationships" xmlns:p="http://schemas.openxmlformats.org/presentationml/2006/main">
+  <p:cSld>
+    <p:spTree>
+      <p:nvGrpSpPr>
+        <p:cNvPr id="1" name=""/>
+        <p:cNvGrpSpPr/>
+        <p:nvPr/>
+      </p:nvGrpSpPr>
+      <p:grpSpPr>
+        <a:xfrm>
+          <a:off x="0" y="0"/>
+          <a:ext cx="0" cy="0"/>
+          <a:chOff x="0" y="0"/>
+          <a:chExt cx="0" cy="0"/>
+        </a:xfrm>
+      </p:grpSpPr>
+      <p:sp>
+        <p:nvSpPr>
+          <p:cNvPr id="4" name="Title 3"/>
+          <p:cNvSpPr>
+            <a:spLocks noGrp="1"/>
+          </p:cNvSpPr>
+          <p:nvPr>
+            <p:ph type="title"/>
+          </p:nvPr>
+        </p:nvSpPr>
+        <p:spPr/>
+        <p:txBody>
+          <a:bodyPr/>
+          <a:lstStyle/>
+          <a:p>
+            <a:r>
+              <a:rPr lang="en-US" dirty="0" smtClean="0"/>
+              <a:t>Example: _about folder</a:t>
+            </a:r>
+            <a:endParaRPr lang="en-US" dirty="0"/>
+          </a:p>
+        </p:txBody>
+      </p:sp>
+      <p:pic>
+        <p:nvPicPr>
+          <p:cNvPr id="5" name="Picture 4"/>
+          <p:cNvPicPr>
+            <a:picLocks noChangeAspect="1"/>
+          </p:cNvPicPr>
+          <p:nvPr/>
+        </p:nvPicPr>
+        <p:blipFill>
+          <a:blip r:embed="rId2"/>
+          <a:stretch>
+            <a:fillRect/>
+          </a:stretch>
+        </p:blipFill>
+        <p:spPr>
+          <a:xfrm>
+            <a:off x="2089783" y="1212534"/>
+            <a:ext cx="9235712" cy="5637974"/>
+          </a:xfrm>
+          <a:prstGeom prst="rect">
+            <a:avLst/>
+          </a:prstGeom>
+        </p:spPr>
+      </p:pic>
+      <p:sp>
+        <p:nvSpPr>
+          <p:cNvPr id="6" name="TextBox 5"/>
+          <p:cNvSpPr txBox="1"/>
+          <p:nvPr/>
+        </p:nvSpPr>
+        <p:spPr>
+          <a:xfrm>
+            <a:off x="541768" y="1736803"/>
+            <a:ext cx="1384663" cy="1169551"/>
+          </a:xfrm>
+          <a:prstGeom prst="rect">
+            <a:avLst/>
+          </a:prstGeom>
+          <a:noFill/>
+          <a:ln w="19050">
+            <a:solidFill>
+              <a:srgbClr val="C00000"/>
+            </a:solidFill>
+          </a:ln>
+        </p:spPr>
+        <p:txBody>
+          <a:bodyPr wrap="square" rtlCol="0">
+            <a:spAutoFit/>
+          </a:bodyPr>
+          <a:lstStyle/>
+          <a:p>
+            <a:r>
+              <a:rPr lang="en-US" sz="1400" dirty="0" smtClean="0">
+                <a:solidFill>
+                  <a:srgbClr val="C00000"/>
+                </a:solidFill>
+              </a:rPr>
+              <a:t>Current path / directory that you are in (i.e. inside _about folder)</a:t>
+            </a:r>
+            <a:endParaRPr lang="en-US" sz="1400" dirty="0">
+              <a:solidFill>
+                <a:srgbClr val="C00000"/>
+              </a:solidFill>
+            </a:endParaRPr>
+          </a:p>
+        </p:txBody>
+      </p:sp>
+      <p:cxnSp>
+        <p:nvCxnSpPr>
+          <p:cNvPr id="7" name="Straight Arrow Connector 6"/>
+          <p:cNvCxnSpPr>
+            <a:stCxn id="6" idx="3"/>
+            <a:endCxn id="8" idx="2"/>
+          </p:cNvCxnSpPr>
+          <p:nvPr/>
+        </p:nvCxnSpPr>
+        <p:spPr>
+          <a:xfrm flipV="1">
+            <a:off x="1926431" y="1555663"/>
+            <a:ext cx="2351655" cy="765916"/>
+          </a:xfrm>
+          <a:prstGeom prst="straightConnector1">
+            <a:avLst/>
+          </a:prstGeom>
+          <a:ln>
+            <a:solidFill>
+              <a:srgbClr val="C00000"/>
+            </a:solidFill>
+            <a:tailEnd type="triangle"/>
+          </a:ln>
+        </p:spPr>
+        <p:style>
+          <a:lnRef idx="1">
+            <a:schemeClr val="accent1"/>
+          </a:lnRef>
+          <a:fillRef idx="0">
+            <a:schemeClr val="accent1"/>
+          </a:fillRef>
+          <a:effectRef idx="0">
+            <a:schemeClr val="accent1"/>
+          </a:effectRef>
+          <a:fontRef idx="minor">
+            <a:schemeClr val="tx1"/>
+          </a:fontRef>
+        </p:style>
+      </p:cxnSp>
+      <p:sp>
+        <p:nvSpPr>
+          <p:cNvPr id="8" name="Rectangle 7"/>
+          <p:cNvSpPr/>
+          <p:nvPr/>
+        </p:nvSpPr>
+        <p:spPr>
+          <a:xfrm>
+            <a:off x="3291840" y="1281340"/>
+            <a:ext cx="1972491" cy="274323"/>
+          </a:xfrm>
+          <a:prstGeom prst="rect">
+            <a:avLst/>
+          </a:prstGeom>
+          <a:noFill/>
+          <a:ln w="28575">
+            <a:solidFill>
+              <a:srgbClr val="C00000"/>
+            </a:solidFill>
+          </a:ln>
+        </p:spPr>
+        <p:style>
+          <a:lnRef idx="2">
+            <a:schemeClr val="accent1">
+              <a:shade val="50000"/>
+            </a:schemeClr>
+          </a:lnRef>
+          <a:fillRef idx="1">
+            <a:schemeClr val="accent1"/>
+          </a:fillRef>
+          <a:effectRef idx="0">
+            <a:schemeClr val="accent1"/>
+          </a:effectRef>
+          <a:fontRef idx="minor">
+            <a:schemeClr val="lt1"/>
+          </a:fontRef>
+        </p:style>
+        <p:txBody>
+          <a:bodyPr rtlCol="0" anchor="ctr"/>
+          <a:lstStyle/>
+          <a:p>
+            <a:pPr algn="ctr"/>
+            <a:endParaRPr lang="en-US"/>
+          </a:p>
+        </p:txBody>
+      </p:sp>
+      <p:sp>
+        <p:nvSpPr>
+          <p:cNvPr id="9" name="TextBox 8"/>
+          <p:cNvSpPr txBox="1"/>
+          <p:nvPr/>
+        </p:nvSpPr>
+        <p:spPr>
+          <a:xfrm>
+            <a:off x="384876" y="3355061"/>
+            <a:ext cx="1384663" cy="2031325"/>
+          </a:xfrm>
+          <a:prstGeom prst="rect">
+            <a:avLst/>
+          </a:prstGeom>
+          <a:noFill/>
+          <a:ln w="19050">
+            <a:solidFill>
+              <a:srgbClr val="C00000"/>
+            </a:solidFill>
+          </a:ln>
+        </p:spPr>
+        <p:txBody>
+          <a:bodyPr wrap="square" rtlCol="0">
+            <a:spAutoFit/>
+          </a:bodyPr>
+          <a:lstStyle/>
+          <a:p>
+            <a:r>
+              <a:rPr lang="en-US" sz="1400" dirty="0" smtClean="0">
+                <a:solidFill>
+                  <a:srgbClr val="C00000"/>
+                </a:solidFill>
+              </a:rPr>
+              <a:t>Filenames correspond to the names of the sub-pages under the ‘about’ navigation section of the website</a:t>
+            </a:r>
+            <a:endParaRPr lang="en-US" sz="1400" dirty="0">
+              <a:solidFill>
+                <a:srgbClr val="C00000"/>
+              </a:solidFill>
+            </a:endParaRPr>
+          </a:p>
+        </p:txBody>
+      </p:sp>
+      <p:cxnSp>
+        <p:nvCxnSpPr>
+          <p:cNvPr id="11" name="Straight Arrow Connector 10"/>
+          <p:cNvCxnSpPr>
+            <a:stCxn id="9" idx="3"/>
+          </p:cNvCxnSpPr>
+          <p:nvPr/>
+        </p:nvCxnSpPr>
+        <p:spPr>
+          <a:xfrm flipV="1">
+            <a:off x="1769539" y="3087498"/>
+            <a:ext cx="634027" cy="1283226"/>
+          </a:xfrm>
+          <a:prstGeom prst="straightConnector1">
+            <a:avLst/>
+          </a:prstGeom>
+          <a:ln>
+            <a:solidFill>
+              <a:srgbClr val="C00000"/>
+            </a:solidFill>
+            <a:tailEnd type="triangle"/>
+          </a:ln>
+        </p:spPr>
+        <p:style>
+          <a:lnRef idx="1">
+            <a:schemeClr val="accent1"/>
+          </a:lnRef>
+          <a:fillRef idx="0">
+            <a:schemeClr val="accent1"/>
+          </a:fillRef>
+          <a:effectRef idx="0">
+            <a:schemeClr val="accent1"/>
+          </a:effectRef>
+          <a:fontRef idx="minor">
+            <a:schemeClr val="tx1"/>
+          </a:fontRef>
+        </p:style>
+      </p:cxnSp>
+      <p:cxnSp>
+        <p:nvCxnSpPr>
+          <p:cNvPr id="13" name="Straight Arrow Connector 12"/>
+          <p:cNvCxnSpPr>
+            <a:stCxn id="9" idx="3"/>
+          </p:cNvCxnSpPr>
+          <p:nvPr/>
+        </p:nvCxnSpPr>
+        <p:spPr>
+          <a:xfrm flipV="1">
+            <a:off x="1769539" y="3350744"/>
+            <a:ext cx="634027" cy="1019980"/>
+          </a:xfrm>
+          <a:prstGeom prst="straightConnector1">
+            <a:avLst/>
+          </a:prstGeom>
+          <a:ln>
+            <a:solidFill>
+              <a:srgbClr val="C00000"/>
+            </a:solidFill>
+            <a:tailEnd type="triangle"/>
+          </a:ln>
+        </p:spPr>
+        <p:style>
+          <a:lnRef idx="1">
+            <a:schemeClr val="accent1"/>
+          </a:lnRef>
+          <a:fillRef idx="0">
+            <a:schemeClr val="accent1"/>
+          </a:fillRef>
+          <a:effectRef idx="0">
+            <a:schemeClr val="accent1"/>
+          </a:effectRef>
+          <a:fontRef idx="minor">
+            <a:schemeClr val="tx1"/>
+          </a:fontRef>
+        </p:style>
+      </p:cxnSp>
+      <p:cxnSp>
+        <p:nvCxnSpPr>
+          <p:cNvPr id="15" name="Straight Arrow Connector 14"/>
+          <p:cNvCxnSpPr>
+            <a:stCxn id="9" idx="3"/>
+          </p:cNvCxnSpPr>
+          <p:nvPr/>
+        </p:nvCxnSpPr>
+        <p:spPr>
+          <a:xfrm flipV="1">
+            <a:off x="1769539" y="3672270"/>
+            <a:ext cx="634027" cy="698454"/>
+          </a:xfrm>
+          <a:prstGeom prst="straightConnector1">
+            <a:avLst/>
+          </a:prstGeom>
+          <a:ln>
+            <a:solidFill>
+              <a:srgbClr val="C00000"/>
+            </a:solidFill>
+            <a:tailEnd type="triangle"/>
+          </a:ln>
+        </p:spPr>
+        <p:style>
+          <a:lnRef idx="1">
+            <a:schemeClr val="accent1"/>
+          </a:lnRef>
+          <a:fillRef idx="0">
+            <a:schemeClr val="accent1"/>
+          </a:fillRef>
+          <a:effectRef idx="0">
+            <a:schemeClr val="accent1"/>
+          </a:effectRef>
+          <a:fontRef idx="minor">
+            <a:schemeClr val="tx1"/>
+          </a:fontRef>
+        </p:style>
+      </p:cxnSp>
+    </p:spTree>
+    <p:extLst>
+      <p:ext uri="{BB962C8B-B14F-4D97-AF65-F5344CB8AC3E}">
+        <p14:creationId xmlns:p14="http://schemas.microsoft.com/office/powerpoint/2010/main" val="83766944"/>
+      </p:ext>
+    </p:extLst>
+  </p:cSld>
+  <p:clrMapOvr>
+    <a:masterClrMapping/>
+  </p:clrMapOvr>
 </p:sld>
 </file>
 
